--- a/sprachmodelle/Praesentation/MB-Veranstaltung_Sprachmodelle_0.3.pptx
+++ b/sprachmodelle/Praesentation/MB-Veranstaltung_Sprachmodelle_0.3.pptx
@@ -5,10 +5,10 @@
     <p:sldMasterId id="2147483658" r:id="rId4"/>
   </p:sldMasterIdLst>
   <p:notesMasterIdLst>
-    <p:notesMasterId r:id="rId28"/>
+    <p:notesMasterId r:id="rId33"/>
   </p:notesMasterIdLst>
   <p:handoutMasterIdLst>
-    <p:handoutMasterId r:id="rId29"/>
+    <p:handoutMasterId r:id="rId34"/>
   </p:handoutMasterIdLst>
   <p:sldIdLst>
     <p:sldId id="410" r:id="rId5"/>
@@ -29,11 +29,16 @@
     <p:sldId id="416" r:id="rId20"/>
     <p:sldId id="417" r:id="rId21"/>
     <p:sldId id="420" r:id="rId22"/>
-    <p:sldId id="426" r:id="rId23"/>
-    <p:sldId id="430" r:id="rId24"/>
-    <p:sldId id="425" r:id="rId25"/>
-    <p:sldId id="427" r:id="rId26"/>
-    <p:sldId id="398" r:id="rId27"/>
+    <p:sldId id="433" r:id="rId23"/>
+    <p:sldId id="434" r:id="rId24"/>
+    <p:sldId id="435" r:id="rId25"/>
+    <p:sldId id="432" r:id="rId26"/>
+    <p:sldId id="426" r:id="rId27"/>
+    <p:sldId id="430" r:id="rId28"/>
+    <p:sldId id="425" r:id="rId29"/>
+    <p:sldId id="431" r:id="rId30"/>
+    <p:sldId id="427" r:id="rId31"/>
+    <p:sldId id="398" r:id="rId32"/>
   </p:sldIdLst>
   <p:sldSz cx="12192000" cy="6858000"/>
   <p:notesSz cx="6858000" cy="9144000"/>
@@ -1572,7 +1577,13 @@
   <p:cSld>
     <p:spTree>
       <p:nvGrpSpPr>
-        <p:cNvPr id="1" name=""/>
+        <p:cNvPr id="1" name="">
+          <a:extLst>
+            <a:ext uri="{FF2B5EF4-FFF2-40B4-BE49-F238E27FC236}">
+              <a16:creationId xmlns:a16="http://schemas.microsoft.com/office/drawing/2014/main" id="{DABCF96B-C73A-9A07-3DAC-4ED98F280BF8}"/>
+            </a:ext>
+          </a:extLst>
+        </p:cNvPr>
         <p:cNvGrpSpPr/>
         <p:nvPr/>
       </p:nvGrpSpPr>
@@ -1586,7 +1597,13 @@
       </p:grpSpPr>
       <p:sp>
         <p:nvSpPr>
-          <p:cNvPr id="2" name="Folienbildplatzhalter 1"/>
+          <p:cNvPr id="2" name="Folienbildplatzhalter 1">
+            <a:extLst>
+              <a:ext uri="{FF2B5EF4-FFF2-40B4-BE49-F238E27FC236}">
+                <a16:creationId xmlns:a16="http://schemas.microsoft.com/office/drawing/2014/main" id="{9411C91A-0F7F-3C6D-BEE1-93E4692F0AD5}"/>
+              </a:ext>
+            </a:extLst>
+          </p:cNvPr>
           <p:cNvSpPr>
             <a:spLocks noGrp="1" noRot="1" noChangeAspect="1"/>
           </p:cNvSpPr>
@@ -1598,7 +1615,13 @@
       </p:sp>
       <p:sp>
         <p:nvSpPr>
-          <p:cNvPr id="3" name="Notizenplatzhalter 2"/>
+          <p:cNvPr id="3" name="Notizenplatzhalter 2">
+            <a:extLst>
+              <a:ext uri="{FF2B5EF4-FFF2-40B4-BE49-F238E27FC236}">
+                <a16:creationId xmlns:a16="http://schemas.microsoft.com/office/drawing/2014/main" id="{ED7997FB-FDBE-7F04-3ED3-87CED2F2AAF7}"/>
+              </a:ext>
+            </a:extLst>
+          </p:cNvPr>
           <p:cNvSpPr>
             <a:spLocks noGrp="1"/>
           </p:cNvSpPr>
@@ -1617,7 +1640,13 @@
       </p:sp>
       <p:sp>
         <p:nvSpPr>
-          <p:cNvPr id="4" name="Foliennummernplatzhalter 3"/>
+          <p:cNvPr id="4" name="Foliennummernplatzhalter 3">
+            <a:extLst>
+              <a:ext uri="{FF2B5EF4-FFF2-40B4-BE49-F238E27FC236}">
+                <a16:creationId xmlns:a16="http://schemas.microsoft.com/office/drawing/2014/main" id="{8F406514-E62C-8CEE-3739-0BCD701EDEBC}"/>
+              </a:ext>
+            </a:extLst>
+          </p:cNvPr>
           <p:cNvSpPr>
             <a:spLocks noGrp="1"/>
           </p:cNvSpPr>
@@ -1642,7 +1671,7 @@
     </p:spTree>
     <p:extLst>
       <p:ext uri="{BB962C8B-B14F-4D97-AF65-F5344CB8AC3E}">
-        <p14:creationId xmlns:p14="http://schemas.microsoft.com/office/powerpoint/2010/main" val="2700833141"/>
+        <p14:creationId xmlns:p14="http://schemas.microsoft.com/office/powerpoint/2010/main" val="2853809923"/>
       </p:ext>
     </p:extLst>
   </p:cSld>
@@ -1660,7 +1689,7 @@
         <p:cNvPr id="1" name="">
           <a:extLst>
             <a:ext uri="{FF2B5EF4-FFF2-40B4-BE49-F238E27FC236}">
-              <a16:creationId xmlns:a16="http://schemas.microsoft.com/office/drawing/2014/main" id="{6446DD6D-504C-53CC-F32E-D46C59EED981}"/>
+              <a16:creationId xmlns:a16="http://schemas.microsoft.com/office/drawing/2014/main" id="{DA5D8F74-CFB9-E082-FEAB-56838C7E4271}"/>
             </a:ext>
           </a:extLst>
         </p:cNvPr>
@@ -1680,7 +1709,7 @@
           <p:cNvPr id="2" name="Folienbildplatzhalter 1">
             <a:extLst>
               <a:ext uri="{FF2B5EF4-FFF2-40B4-BE49-F238E27FC236}">
-                <a16:creationId xmlns:a16="http://schemas.microsoft.com/office/drawing/2014/main" id="{09890118-AC70-4699-D9BB-9E9631DFBA2A}"/>
+                <a16:creationId xmlns:a16="http://schemas.microsoft.com/office/drawing/2014/main" id="{AB3BD431-C2E4-B6C3-DCF4-3358EDEEC878}"/>
               </a:ext>
             </a:extLst>
           </p:cNvPr>
@@ -1698,7 +1727,7 @@
           <p:cNvPr id="3" name="Notizenplatzhalter 2">
             <a:extLst>
               <a:ext uri="{FF2B5EF4-FFF2-40B4-BE49-F238E27FC236}">
-                <a16:creationId xmlns:a16="http://schemas.microsoft.com/office/drawing/2014/main" id="{DE3CA4F4-675C-DA8C-6D38-B8346A1D08F3}"/>
+                <a16:creationId xmlns:a16="http://schemas.microsoft.com/office/drawing/2014/main" id="{88149B78-01B5-3BE4-93DB-CD56DEF1BEF2}"/>
               </a:ext>
             </a:extLst>
           </p:cNvPr>
@@ -1723,7 +1752,7 @@
           <p:cNvPr id="4" name="Foliennummernplatzhalter 3">
             <a:extLst>
               <a:ext uri="{FF2B5EF4-FFF2-40B4-BE49-F238E27FC236}">
-                <a16:creationId xmlns:a16="http://schemas.microsoft.com/office/drawing/2014/main" id="{9A133DD7-CBC0-E664-525B-F5A99CFD2EDA}"/>
+                <a16:creationId xmlns:a16="http://schemas.microsoft.com/office/drawing/2014/main" id="{D23081A0-F46B-0424-4E92-8416AB0BFC10}"/>
               </a:ext>
             </a:extLst>
           </p:cNvPr>
@@ -1751,7 +1780,7 @@
     </p:spTree>
     <p:extLst>
       <p:ext uri="{BB962C8B-B14F-4D97-AF65-F5344CB8AC3E}">
-        <p14:creationId xmlns:p14="http://schemas.microsoft.com/office/powerpoint/2010/main" val="2033220737"/>
+        <p14:creationId xmlns:p14="http://schemas.microsoft.com/office/powerpoint/2010/main" val="3951874424"/>
       </p:ext>
     </p:extLst>
   </p:cSld>
@@ -1769,7 +1798,7 @@
         <p:cNvPr id="1" name="">
           <a:extLst>
             <a:ext uri="{FF2B5EF4-FFF2-40B4-BE49-F238E27FC236}">
-              <a16:creationId xmlns:a16="http://schemas.microsoft.com/office/drawing/2014/main" id="{DBD366D2-9DB4-50C2-C61A-1FEED71999DB}"/>
+              <a16:creationId xmlns:a16="http://schemas.microsoft.com/office/drawing/2014/main" id="{4B8E6753-054B-8BA6-EB4B-FEBA8F988556}"/>
             </a:ext>
           </a:extLst>
         </p:cNvPr>
@@ -1789,7 +1818,7 @@
           <p:cNvPr id="2" name="Folienbildplatzhalter 1">
             <a:extLst>
               <a:ext uri="{FF2B5EF4-FFF2-40B4-BE49-F238E27FC236}">
-                <a16:creationId xmlns:a16="http://schemas.microsoft.com/office/drawing/2014/main" id="{5C55F5E2-191D-0DC9-DF35-D73577737CA4}"/>
+                <a16:creationId xmlns:a16="http://schemas.microsoft.com/office/drawing/2014/main" id="{5FA86DE0-192E-3785-1DD6-6B8447FF668E}"/>
               </a:ext>
             </a:extLst>
           </p:cNvPr>
@@ -1807,7 +1836,7 @@
           <p:cNvPr id="3" name="Notizenplatzhalter 2">
             <a:extLst>
               <a:ext uri="{FF2B5EF4-FFF2-40B4-BE49-F238E27FC236}">
-                <a16:creationId xmlns:a16="http://schemas.microsoft.com/office/drawing/2014/main" id="{67596328-6390-A59A-0093-35C57A10016E}"/>
+                <a16:creationId xmlns:a16="http://schemas.microsoft.com/office/drawing/2014/main" id="{6AA04A9F-B8DD-C552-43CF-BBE33B51A4BA}"/>
               </a:ext>
             </a:extLst>
           </p:cNvPr>
@@ -1832,7 +1861,7 @@
           <p:cNvPr id="4" name="Foliennummernplatzhalter 3">
             <a:extLst>
               <a:ext uri="{FF2B5EF4-FFF2-40B4-BE49-F238E27FC236}">
-                <a16:creationId xmlns:a16="http://schemas.microsoft.com/office/drawing/2014/main" id="{1BDD352E-E167-58B8-6FF8-10B72603F967}"/>
+                <a16:creationId xmlns:a16="http://schemas.microsoft.com/office/drawing/2014/main" id="{21D71F26-E6A7-EC87-5A0F-45F7FBAD38B4}"/>
               </a:ext>
             </a:extLst>
           </p:cNvPr>
@@ -1860,7 +1889,7 @@
     </p:spTree>
     <p:extLst>
       <p:ext uri="{BB962C8B-B14F-4D97-AF65-F5344CB8AC3E}">
-        <p14:creationId xmlns:p14="http://schemas.microsoft.com/office/powerpoint/2010/main" val="3027545744"/>
+        <p14:creationId xmlns:p14="http://schemas.microsoft.com/office/powerpoint/2010/main" val="3064779025"/>
       </p:ext>
     </p:extLst>
   </p:cSld>
@@ -2014,7 +2043,7 @@
         <p:cNvPr id="1" name="">
           <a:extLst>
             <a:ext uri="{FF2B5EF4-FFF2-40B4-BE49-F238E27FC236}">
-              <a16:creationId xmlns:a16="http://schemas.microsoft.com/office/drawing/2014/main" id="{765628F2-34F7-BE9B-E6B4-67CA8F4EADF9}"/>
+              <a16:creationId xmlns:a16="http://schemas.microsoft.com/office/drawing/2014/main" id="{6A675517-FC2B-2FD8-50A0-4241D0A0B038}"/>
             </a:ext>
           </a:extLst>
         </p:cNvPr>
@@ -2034,7 +2063,7 @@
           <p:cNvPr id="2" name="Folienbildplatzhalter 1">
             <a:extLst>
               <a:ext uri="{FF2B5EF4-FFF2-40B4-BE49-F238E27FC236}">
-                <a16:creationId xmlns:a16="http://schemas.microsoft.com/office/drawing/2014/main" id="{603AD335-B4B0-38C9-A109-EE3878105A0C}"/>
+                <a16:creationId xmlns:a16="http://schemas.microsoft.com/office/drawing/2014/main" id="{500F4304-D5FA-1B30-C51C-1E3C85F24ED4}"/>
               </a:ext>
             </a:extLst>
           </p:cNvPr>
@@ -2052,7 +2081,7 @@
           <p:cNvPr id="3" name="Notizenplatzhalter 2">
             <a:extLst>
               <a:ext uri="{FF2B5EF4-FFF2-40B4-BE49-F238E27FC236}">
-                <a16:creationId xmlns:a16="http://schemas.microsoft.com/office/drawing/2014/main" id="{160AC2AF-7AB6-462F-C11C-32384E2DC77D}"/>
+                <a16:creationId xmlns:a16="http://schemas.microsoft.com/office/drawing/2014/main" id="{79157AE2-B31C-8B95-D7F6-E1B582CE5E0A}"/>
               </a:ext>
             </a:extLst>
           </p:cNvPr>
@@ -2077,7 +2106,7 @@
           <p:cNvPr id="4" name="Foliennummernplatzhalter 3">
             <a:extLst>
               <a:ext uri="{FF2B5EF4-FFF2-40B4-BE49-F238E27FC236}">
-                <a16:creationId xmlns:a16="http://schemas.microsoft.com/office/drawing/2014/main" id="{9FC1623A-852F-0FD8-2916-8D026DFB52A9}"/>
+                <a16:creationId xmlns:a16="http://schemas.microsoft.com/office/drawing/2014/main" id="{DC68391E-FE30-8469-B491-04258317C99E}"/>
               </a:ext>
             </a:extLst>
           </p:cNvPr>
@@ -2105,7 +2134,7 @@
     </p:spTree>
     <p:extLst>
       <p:ext uri="{BB962C8B-B14F-4D97-AF65-F5344CB8AC3E}">
-        <p14:creationId xmlns:p14="http://schemas.microsoft.com/office/powerpoint/2010/main" val="2987929952"/>
+        <p14:creationId xmlns:p14="http://schemas.microsoft.com/office/powerpoint/2010/main" val="1268145707"/>
       </p:ext>
     </p:extLst>
   </p:cSld>
@@ -2156,6 +2185,527 @@
         </p:nvSpPr>
         <p:spPr/>
         <p:txBody>
+          <a:bodyPr/>
+          <a:lstStyle/>
+          <a:p>
+            <a:endParaRPr lang="de-DE" dirty="0"/>
+          </a:p>
+        </p:txBody>
+      </p:sp>
+      <p:sp>
+        <p:nvSpPr>
+          <p:cNvPr id="4" name="Foliennummernplatzhalter 3"/>
+          <p:cNvSpPr>
+            <a:spLocks noGrp="1"/>
+          </p:cNvSpPr>
+          <p:nvPr>
+            <p:ph type="sldNum" sz="quarter" idx="5"/>
+          </p:nvPr>
+        </p:nvSpPr>
+        <p:spPr/>
+        <p:txBody>
+          <a:bodyPr/>
+          <a:lstStyle/>
+          <a:p>
+            <a:pPr rtl="0"/>
+            <a:fld id="{A89C7E07-3C67-C64C-8DA0-0404F6303970}" type="slidenum">
+              <a:rPr lang="de-DE" smtClean="0"/>
+              <a:t>23</a:t>
+            </a:fld>
+            <a:endParaRPr lang="de-DE" dirty="0"/>
+          </a:p>
+        </p:txBody>
+      </p:sp>
+    </p:spTree>
+    <p:extLst>
+      <p:ext uri="{BB962C8B-B14F-4D97-AF65-F5344CB8AC3E}">
+        <p14:creationId xmlns:p14="http://schemas.microsoft.com/office/powerpoint/2010/main" val="2700833141"/>
+      </p:ext>
+    </p:extLst>
+  </p:cSld>
+  <p:clrMapOvr>
+    <a:masterClrMapping/>
+  </p:clrMapOvr>
+</p:notes>
+</file>
+
+<file path=ppt/notesSlides/notesSlide22.xml><?xml version="1.0" encoding="utf-8"?>
+<p:notes xmlns:a="http://schemas.openxmlformats.org/drawingml/2006/main" xmlns:r="http://schemas.openxmlformats.org/officeDocument/2006/relationships" xmlns:p="http://schemas.openxmlformats.org/presentationml/2006/main">
+  <p:cSld>
+    <p:spTree>
+      <p:nvGrpSpPr>
+        <p:cNvPr id="1" name="">
+          <a:extLst>
+            <a:ext uri="{FF2B5EF4-FFF2-40B4-BE49-F238E27FC236}">
+              <a16:creationId xmlns:a16="http://schemas.microsoft.com/office/drawing/2014/main" id="{6446DD6D-504C-53CC-F32E-D46C59EED981}"/>
+            </a:ext>
+          </a:extLst>
+        </p:cNvPr>
+        <p:cNvGrpSpPr/>
+        <p:nvPr/>
+      </p:nvGrpSpPr>
+      <p:grpSpPr>
+        <a:xfrm>
+          <a:off x="0" y="0"/>
+          <a:ext cx="0" cy="0"/>
+          <a:chOff x="0" y="0"/>
+          <a:chExt cx="0" cy="0"/>
+        </a:xfrm>
+      </p:grpSpPr>
+      <p:sp>
+        <p:nvSpPr>
+          <p:cNvPr id="2" name="Folienbildplatzhalter 1">
+            <a:extLst>
+              <a:ext uri="{FF2B5EF4-FFF2-40B4-BE49-F238E27FC236}">
+                <a16:creationId xmlns:a16="http://schemas.microsoft.com/office/drawing/2014/main" id="{09890118-AC70-4699-D9BB-9E9631DFBA2A}"/>
+              </a:ext>
+            </a:extLst>
+          </p:cNvPr>
+          <p:cNvSpPr>
+            <a:spLocks noGrp="1" noRot="1" noChangeAspect="1"/>
+          </p:cNvSpPr>
+          <p:nvPr>
+            <p:ph type="sldImg"/>
+          </p:nvPr>
+        </p:nvSpPr>
+        <p:spPr/>
+      </p:sp>
+      <p:sp>
+        <p:nvSpPr>
+          <p:cNvPr id="3" name="Notizenplatzhalter 2">
+            <a:extLst>
+              <a:ext uri="{FF2B5EF4-FFF2-40B4-BE49-F238E27FC236}">
+                <a16:creationId xmlns:a16="http://schemas.microsoft.com/office/drawing/2014/main" id="{DE3CA4F4-675C-DA8C-6D38-B8346A1D08F3}"/>
+              </a:ext>
+            </a:extLst>
+          </p:cNvPr>
+          <p:cNvSpPr>
+            <a:spLocks noGrp="1"/>
+          </p:cNvSpPr>
+          <p:nvPr>
+            <p:ph type="body" idx="1"/>
+          </p:nvPr>
+        </p:nvSpPr>
+        <p:spPr/>
+        <p:txBody>
+          <a:bodyPr/>
+          <a:lstStyle/>
+          <a:p>
+            <a:endParaRPr lang="de-DE" dirty="0"/>
+          </a:p>
+        </p:txBody>
+      </p:sp>
+      <p:sp>
+        <p:nvSpPr>
+          <p:cNvPr id="4" name="Foliennummernplatzhalter 3">
+            <a:extLst>
+              <a:ext uri="{FF2B5EF4-FFF2-40B4-BE49-F238E27FC236}">
+                <a16:creationId xmlns:a16="http://schemas.microsoft.com/office/drawing/2014/main" id="{9A133DD7-CBC0-E664-525B-F5A99CFD2EDA}"/>
+              </a:ext>
+            </a:extLst>
+          </p:cNvPr>
+          <p:cNvSpPr>
+            <a:spLocks noGrp="1"/>
+          </p:cNvSpPr>
+          <p:nvPr>
+            <p:ph type="sldNum" sz="quarter" idx="5"/>
+          </p:nvPr>
+        </p:nvSpPr>
+        <p:spPr/>
+        <p:txBody>
+          <a:bodyPr/>
+          <a:lstStyle/>
+          <a:p>
+            <a:pPr rtl="0"/>
+            <a:fld id="{A89C7E07-3C67-C64C-8DA0-0404F6303970}" type="slidenum">
+              <a:rPr lang="de-DE" smtClean="0"/>
+              <a:t>24</a:t>
+            </a:fld>
+            <a:endParaRPr lang="de-DE" dirty="0"/>
+          </a:p>
+        </p:txBody>
+      </p:sp>
+    </p:spTree>
+    <p:extLst>
+      <p:ext uri="{BB962C8B-B14F-4D97-AF65-F5344CB8AC3E}">
+        <p14:creationId xmlns:p14="http://schemas.microsoft.com/office/powerpoint/2010/main" val="2033220737"/>
+      </p:ext>
+    </p:extLst>
+  </p:cSld>
+  <p:clrMapOvr>
+    <a:masterClrMapping/>
+  </p:clrMapOvr>
+</p:notes>
+</file>
+
+<file path=ppt/notesSlides/notesSlide23.xml><?xml version="1.0" encoding="utf-8"?>
+<p:notes xmlns:a="http://schemas.openxmlformats.org/drawingml/2006/main" xmlns:r="http://schemas.openxmlformats.org/officeDocument/2006/relationships" xmlns:p="http://schemas.openxmlformats.org/presentationml/2006/main">
+  <p:cSld>
+    <p:spTree>
+      <p:nvGrpSpPr>
+        <p:cNvPr id="1" name="">
+          <a:extLst>
+            <a:ext uri="{FF2B5EF4-FFF2-40B4-BE49-F238E27FC236}">
+              <a16:creationId xmlns:a16="http://schemas.microsoft.com/office/drawing/2014/main" id="{DBD366D2-9DB4-50C2-C61A-1FEED71999DB}"/>
+            </a:ext>
+          </a:extLst>
+        </p:cNvPr>
+        <p:cNvGrpSpPr/>
+        <p:nvPr/>
+      </p:nvGrpSpPr>
+      <p:grpSpPr>
+        <a:xfrm>
+          <a:off x="0" y="0"/>
+          <a:ext cx="0" cy="0"/>
+          <a:chOff x="0" y="0"/>
+          <a:chExt cx="0" cy="0"/>
+        </a:xfrm>
+      </p:grpSpPr>
+      <p:sp>
+        <p:nvSpPr>
+          <p:cNvPr id="2" name="Folienbildplatzhalter 1">
+            <a:extLst>
+              <a:ext uri="{FF2B5EF4-FFF2-40B4-BE49-F238E27FC236}">
+                <a16:creationId xmlns:a16="http://schemas.microsoft.com/office/drawing/2014/main" id="{5C55F5E2-191D-0DC9-DF35-D73577737CA4}"/>
+              </a:ext>
+            </a:extLst>
+          </p:cNvPr>
+          <p:cNvSpPr>
+            <a:spLocks noGrp="1" noRot="1" noChangeAspect="1"/>
+          </p:cNvSpPr>
+          <p:nvPr>
+            <p:ph type="sldImg"/>
+          </p:nvPr>
+        </p:nvSpPr>
+        <p:spPr/>
+      </p:sp>
+      <p:sp>
+        <p:nvSpPr>
+          <p:cNvPr id="3" name="Notizenplatzhalter 2">
+            <a:extLst>
+              <a:ext uri="{FF2B5EF4-FFF2-40B4-BE49-F238E27FC236}">
+                <a16:creationId xmlns:a16="http://schemas.microsoft.com/office/drawing/2014/main" id="{67596328-6390-A59A-0093-35C57A10016E}"/>
+              </a:ext>
+            </a:extLst>
+          </p:cNvPr>
+          <p:cNvSpPr>
+            <a:spLocks noGrp="1"/>
+          </p:cNvSpPr>
+          <p:nvPr>
+            <p:ph type="body" idx="1"/>
+          </p:nvPr>
+        </p:nvSpPr>
+        <p:spPr/>
+        <p:txBody>
+          <a:bodyPr/>
+          <a:lstStyle/>
+          <a:p>
+            <a:endParaRPr lang="de-DE" dirty="0"/>
+          </a:p>
+        </p:txBody>
+      </p:sp>
+      <p:sp>
+        <p:nvSpPr>
+          <p:cNvPr id="4" name="Foliennummernplatzhalter 3">
+            <a:extLst>
+              <a:ext uri="{FF2B5EF4-FFF2-40B4-BE49-F238E27FC236}">
+                <a16:creationId xmlns:a16="http://schemas.microsoft.com/office/drawing/2014/main" id="{1BDD352E-E167-58B8-6FF8-10B72603F967}"/>
+              </a:ext>
+            </a:extLst>
+          </p:cNvPr>
+          <p:cNvSpPr>
+            <a:spLocks noGrp="1"/>
+          </p:cNvSpPr>
+          <p:nvPr>
+            <p:ph type="sldNum" sz="quarter" idx="5"/>
+          </p:nvPr>
+        </p:nvSpPr>
+        <p:spPr/>
+        <p:txBody>
+          <a:bodyPr/>
+          <a:lstStyle/>
+          <a:p>
+            <a:pPr rtl="0"/>
+            <a:fld id="{A89C7E07-3C67-C64C-8DA0-0404F6303970}" type="slidenum">
+              <a:rPr lang="de-DE" smtClean="0"/>
+              <a:t>25</a:t>
+            </a:fld>
+            <a:endParaRPr lang="de-DE" dirty="0"/>
+          </a:p>
+        </p:txBody>
+      </p:sp>
+    </p:spTree>
+    <p:extLst>
+      <p:ext uri="{BB962C8B-B14F-4D97-AF65-F5344CB8AC3E}">
+        <p14:creationId xmlns:p14="http://schemas.microsoft.com/office/powerpoint/2010/main" val="3027545744"/>
+      </p:ext>
+    </p:extLst>
+  </p:cSld>
+  <p:clrMapOvr>
+    <a:masterClrMapping/>
+  </p:clrMapOvr>
+</p:notes>
+</file>
+
+<file path=ppt/notesSlides/notesSlide24.xml><?xml version="1.0" encoding="utf-8"?>
+<p:notes xmlns:a="http://schemas.openxmlformats.org/drawingml/2006/main" xmlns:r="http://schemas.openxmlformats.org/officeDocument/2006/relationships" xmlns:p="http://schemas.openxmlformats.org/presentationml/2006/main">
+  <p:cSld>
+    <p:spTree>
+      <p:nvGrpSpPr>
+        <p:cNvPr id="1" name="">
+          <a:extLst>
+            <a:ext uri="{FF2B5EF4-FFF2-40B4-BE49-F238E27FC236}">
+              <a16:creationId xmlns:a16="http://schemas.microsoft.com/office/drawing/2014/main" id="{03351FFE-FD76-0111-CB40-2E41969D6D50}"/>
+            </a:ext>
+          </a:extLst>
+        </p:cNvPr>
+        <p:cNvGrpSpPr/>
+        <p:nvPr/>
+      </p:nvGrpSpPr>
+      <p:grpSpPr>
+        <a:xfrm>
+          <a:off x="0" y="0"/>
+          <a:ext cx="0" cy="0"/>
+          <a:chOff x="0" y="0"/>
+          <a:chExt cx="0" cy="0"/>
+        </a:xfrm>
+      </p:grpSpPr>
+      <p:sp>
+        <p:nvSpPr>
+          <p:cNvPr id="2" name="Folienbildplatzhalter 1">
+            <a:extLst>
+              <a:ext uri="{FF2B5EF4-FFF2-40B4-BE49-F238E27FC236}">
+                <a16:creationId xmlns:a16="http://schemas.microsoft.com/office/drawing/2014/main" id="{EA05288F-0E52-B266-456D-3CC5D812803D}"/>
+              </a:ext>
+            </a:extLst>
+          </p:cNvPr>
+          <p:cNvSpPr>
+            <a:spLocks noGrp="1" noRot="1" noChangeAspect="1"/>
+          </p:cNvSpPr>
+          <p:nvPr>
+            <p:ph type="sldImg"/>
+          </p:nvPr>
+        </p:nvSpPr>
+        <p:spPr/>
+      </p:sp>
+      <p:sp>
+        <p:nvSpPr>
+          <p:cNvPr id="3" name="Notizenplatzhalter 2">
+            <a:extLst>
+              <a:ext uri="{FF2B5EF4-FFF2-40B4-BE49-F238E27FC236}">
+                <a16:creationId xmlns:a16="http://schemas.microsoft.com/office/drawing/2014/main" id="{21683B4F-7D4B-ADAA-8FE1-F33CAEBEF2BF}"/>
+              </a:ext>
+            </a:extLst>
+          </p:cNvPr>
+          <p:cNvSpPr>
+            <a:spLocks noGrp="1"/>
+          </p:cNvSpPr>
+          <p:nvPr>
+            <p:ph type="body" idx="1"/>
+          </p:nvPr>
+        </p:nvSpPr>
+        <p:spPr/>
+        <p:txBody>
+          <a:bodyPr/>
+          <a:lstStyle/>
+          <a:p>
+            <a:endParaRPr lang="de-DE" dirty="0"/>
+          </a:p>
+        </p:txBody>
+      </p:sp>
+      <p:sp>
+        <p:nvSpPr>
+          <p:cNvPr id="4" name="Foliennummernplatzhalter 3">
+            <a:extLst>
+              <a:ext uri="{FF2B5EF4-FFF2-40B4-BE49-F238E27FC236}">
+                <a16:creationId xmlns:a16="http://schemas.microsoft.com/office/drawing/2014/main" id="{70F06B5B-A716-EA9F-F234-88AFE698A6FE}"/>
+              </a:ext>
+            </a:extLst>
+          </p:cNvPr>
+          <p:cNvSpPr>
+            <a:spLocks noGrp="1"/>
+          </p:cNvSpPr>
+          <p:nvPr>
+            <p:ph type="sldNum" sz="quarter" idx="5"/>
+          </p:nvPr>
+        </p:nvSpPr>
+        <p:spPr/>
+        <p:txBody>
+          <a:bodyPr/>
+          <a:lstStyle/>
+          <a:p>
+            <a:pPr rtl="0"/>
+            <a:fld id="{A89C7E07-3C67-C64C-8DA0-0404F6303970}" type="slidenum">
+              <a:rPr lang="de-DE" smtClean="0"/>
+              <a:t>26</a:t>
+            </a:fld>
+            <a:endParaRPr lang="de-DE" dirty="0"/>
+          </a:p>
+        </p:txBody>
+      </p:sp>
+    </p:spTree>
+    <p:extLst>
+      <p:ext uri="{BB962C8B-B14F-4D97-AF65-F5344CB8AC3E}">
+        <p14:creationId xmlns:p14="http://schemas.microsoft.com/office/powerpoint/2010/main" val="1969134585"/>
+      </p:ext>
+    </p:extLst>
+  </p:cSld>
+  <p:clrMapOvr>
+    <a:masterClrMapping/>
+  </p:clrMapOvr>
+</p:notes>
+</file>
+
+<file path=ppt/notesSlides/notesSlide25.xml><?xml version="1.0" encoding="utf-8"?>
+<p:notes xmlns:a="http://schemas.openxmlformats.org/drawingml/2006/main" xmlns:r="http://schemas.openxmlformats.org/officeDocument/2006/relationships" xmlns:p="http://schemas.openxmlformats.org/presentationml/2006/main">
+  <p:cSld>
+    <p:spTree>
+      <p:nvGrpSpPr>
+        <p:cNvPr id="1" name="">
+          <a:extLst>
+            <a:ext uri="{FF2B5EF4-FFF2-40B4-BE49-F238E27FC236}">
+              <a16:creationId xmlns:a16="http://schemas.microsoft.com/office/drawing/2014/main" id="{765628F2-34F7-BE9B-E6B4-67CA8F4EADF9}"/>
+            </a:ext>
+          </a:extLst>
+        </p:cNvPr>
+        <p:cNvGrpSpPr/>
+        <p:nvPr/>
+      </p:nvGrpSpPr>
+      <p:grpSpPr>
+        <a:xfrm>
+          <a:off x="0" y="0"/>
+          <a:ext cx="0" cy="0"/>
+          <a:chOff x="0" y="0"/>
+          <a:chExt cx="0" cy="0"/>
+        </a:xfrm>
+      </p:grpSpPr>
+      <p:sp>
+        <p:nvSpPr>
+          <p:cNvPr id="2" name="Folienbildplatzhalter 1">
+            <a:extLst>
+              <a:ext uri="{FF2B5EF4-FFF2-40B4-BE49-F238E27FC236}">
+                <a16:creationId xmlns:a16="http://schemas.microsoft.com/office/drawing/2014/main" id="{603AD335-B4B0-38C9-A109-EE3878105A0C}"/>
+              </a:ext>
+            </a:extLst>
+          </p:cNvPr>
+          <p:cNvSpPr>
+            <a:spLocks noGrp="1" noRot="1" noChangeAspect="1"/>
+          </p:cNvSpPr>
+          <p:nvPr>
+            <p:ph type="sldImg"/>
+          </p:nvPr>
+        </p:nvSpPr>
+        <p:spPr/>
+      </p:sp>
+      <p:sp>
+        <p:nvSpPr>
+          <p:cNvPr id="3" name="Notizenplatzhalter 2">
+            <a:extLst>
+              <a:ext uri="{FF2B5EF4-FFF2-40B4-BE49-F238E27FC236}">
+                <a16:creationId xmlns:a16="http://schemas.microsoft.com/office/drawing/2014/main" id="{160AC2AF-7AB6-462F-C11C-32384E2DC77D}"/>
+              </a:ext>
+            </a:extLst>
+          </p:cNvPr>
+          <p:cNvSpPr>
+            <a:spLocks noGrp="1"/>
+          </p:cNvSpPr>
+          <p:nvPr>
+            <p:ph type="body" idx="1"/>
+          </p:nvPr>
+        </p:nvSpPr>
+        <p:spPr/>
+        <p:txBody>
+          <a:bodyPr/>
+          <a:lstStyle/>
+          <a:p>
+            <a:endParaRPr lang="de-DE" dirty="0"/>
+          </a:p>
+        </p:txBody>
+      </p:sp>
+      <p:sp>
+        <p:nvSpPr>
+          <p:cNvPr id="4" name="Foliennummernplatzhalter 3">
+            <a:extLst>
+              <a:ext uri="{FF2B5EF4-FFF2-40B4-BE49-F238E27FC236}">
+                <a16:creationId xmlns:a16="http://schemas.microsoft.com/office/drawing/2014/main" id="{9FC1623A-852F-0FD8-2916-8D026DFB52A9}"/>
+              </a:ext>
+            </a:extLst>
+          </p:cNvPr>
+          <p:cNvSpPr>
+            <a:spLocks noGrp="1"/>
+          </p:cNvSpPr>
+          <p:nvPr>
+            <p:ph type="sldNum" sz="quarter" idx="5"/>
+          </p:nvPr>
+        </p:nvSpPr>
+        <p:spPr/>
+        <p:txBody>
+          <a:bodyPr/>
+          <a:lstStyle/>
+          <a:p>
+            <a:pPr rtl="0"/>
+            <a:fld id="{A89C7E07-3C67-C64C-8DA0-0404F6303970}" type="slidenum">
+              <a:rPr lang="de-DE" smtClean="0"/>
+              <a:t>27</a:t>
+            </a:fld>
+            <a:endParaRPr lang="de-DE" dirty="0"/>
+          </a:p>
+        </p:txBody>
+      </p:sp>
+    </p:spTree>
+    <p:extLst>
+      <p:ext uri="{BB962C8B-B14F-4D97-AF65-F5344CB8AC3E}">
+        <p14:creationId xmlns:p14="http://schemas.microsoft.com/office/powerpoint/2010/main" val="2987929952"/>
+      </p:ext>
+    </p:extLst>
+  </p:cSld>
+  <p:clrMapOvr>
+    <a:masterClrMapping/>
+  </p:clrMapOvr>
+</p:notes>
+</file>
+
+<file path=ppt/notesSlides/notesSlide26.xml><?xml version="1.0" encoding="utf-8"?>
+<p:notes xmlns:a="http://schemas.openxmlformats.org/drawingml/2006/main" xmlns:r="http://schemas.openxmlformats.org/officeDocument/2006/relationships" xmlns:p="http://schemas.openxmlformats.org/presentationml/2006/main">
+  <p:cSld>
+    <p:spTree>
+      <p:nvGrpSpPr>
+        <p:cNvPr id="1" name=""/>
+        <p:cNvGrpSpPr/>
+        <p:nvPr/>
+      </p:nvGrpSpPr>
+      <p:grpSpPr>
+        <a:xfrm>
+          <a:off x="0" y="0"/>
+          <a:ext cx="0" cy="0"/>
+          <a:chOff x="0" y="0"/>
+          <a:chExt cx="0" cy="0"/>
+        </a:xfrm>
+      </p:grpSpPr>
+      <p:sp>
+        <p:nvSpPr>
+          <p:cNvPr id="2" name="Folienbildplatzhalter 1"/>
+          <p:cNvSpPr>
+            <a:spLocks noGrp="1" noRot="1" noChangeAspect="1"/>
+          </p:cNvSpPr>
+          <p:nvPr>
+            <p:ph type="sldImg"/>
+          </p:nvPr>
+        </p:nvSpPr>
+        <p:spPr/>
+      </p:sp>
+      <p:sp>
+        <p:nvSpPr>
+          <p:cNvPr id="3" name="Notizenplatzhalter 2"/>
+          <p:cNvSpPr>
+            <a:spLocks noGrp="1"/>
+          </p:cNvSpPr>
+          <p:nvPr>
+            <p:ph type="body" idx="1"/>
+          </p:nvPr>
+        </p:nvSpPr>
+        <p:spPr/>
+        <p:txBody>
           <a:bodyPr rtlCol="0"/>
           <a:lstStyle>
             <a:defPPr>
@@ -2190,7 +2740,7 @@
             <a:pPr rtl="0"/>
             <a:fld id="{A89C7E07-3C67-C64C-8DA0-0404F6303970}" type="slidenum">
               <a:rPr lang="de-DE" smtClean="0"/>
-              <a:t>23</a:t>
+              <a:t>28</a:t>
             </a:fld>
             <a:endParaRPr lang="de-DE" dirty="0"/>
           </a:p>
@@ -19239,7 +19789,13 @@
   <p:cSld>
     <p:spTree>
       <p:nvGrpSpPr>
-        <p:cNvPr id="1" name=""/>
+        <p:cNvPr id="1" name="">
+          <a:extLst>
+            <a:ext uri="{FF2B5EF4-FFF2-40B4-BE49-F238E27FC236}">
+              <a16:creationId xmlns:a16="http://schemas.microsoft.com/office/drawing/2014/main" id="{A3E329FF-C080-7B90-55C2-3429CD834CC6}"/>
+            </a:ext>
+          </a:extLst>
+        </p:cNvPr>
         <p:cNvGrpSpPr/>
         <p:nvPr/>
       </p:nvGrpSpPr>
@@ -19256,7 +19812,7 @@
           <p:cNvPr id="2" name="Titel 1">
             <a:extLst>
               <a:ext uri="{FF2B5EF4-FFF2-40B4-BE49-F238E27FC236}">
-                <a16:creationId xmlns:a16="http://schemas.microsoft.com/office/drawing/2014/main" id="{159DAD8D-34EB-B05B-11AE-7E6E22C3440E}"/>
+                <a16:creationId xmlns:a16="http://schemas.microsoft.com/office/drawing/2014/main" id="{981CF00C-5FB0-BE1F-8A5A-185C509C9DDC}"/>
               </a:ext>
             </a:extLst>
           </p:cNvPr>
@@ -19267,50 +19823,686 @@
             <p:ph type="title"/>
           </p:nvPr>
         </p:nvSpPr>
-        <p:spPr/>
+        <p:spPr>
+          <a:xfrm>
+            <a:off x="432314" y="227903"/>
+            <a:ext cx="10873740" cy="1253656"/>
+          </a:xfrm>
+        </p:spPr>
         <p:txBody>
           <a:bodyPr/>
           <a:lstStyle/>
           <a:p>
-            <a:endParaRPr lang="de-DE"/>
+            <a:r>
+              <a:rPr lang="de-DE" dirty="0"/>
+              <a:t>Materialien</a:t>
+            </a:r>
           </a:p>
         </p:txBody>
       </p:sp>
       <p:sp>
         <p:nvSpPr>
-          <p:cNvPr id="3" name="Inhaltsplatzhalter 2">
+          <p:cNvPr id="5" name="Textfeld 4">
             <a:extLst>
               <a:ext uri="{FF2B5EF4-FFF2-40B4-BE49-F238E27FC236}">
-                <a16:creationId xmlns:a16="http://schemas.microsoft.com/office/drawing/2014/main" id="{CFA88B43-6237-D0DF-AC6A-3B51C541AB00}"/>
+                <a16:creationId xmlns:a16="http://schemas.microsoft.com/office/drawing/2014/main" id="{06ED2203-76F1-5EFC-9B05-8F9A8081D0A8}"/>
               </a:ext>
             </a:extLst>
           </p:cNvPr>
-          <p:cNvSpPr>
-            <a:spLocks noGrp="1"/>
-          </p:cNvSpPr>
-          <p:nvPr>
-            <p:ph sz="quarter" idx="13"/>
-          </p:nvPr>
+          <p:cNvSpPr txBox="1"/>
+          <p:nvPr/>
         </p:nvSpPr>
-        <p:spPr/>
+        <p:spPr>
+          <a:xfrm>
+            <a:off x="4898985" y="991490"/>
+            <a:ext cx="3758878" cy="369332"/>
+          </a:xfrm>
+          <a:prstGeom prst="rect">
+            <a:avLst/>
+          </a:prstGeom>
+          <a:noFill/>
+        </p:spPr>
         <p:txBody>
-          <a:bodyPr/>
+          <a:bodyPr wrap="square">
+            <a:spAutoFit/>
+          </a:bodyPr>
           <a:lstStyle/>
           <a:p>
-            <a:endParaRPr lang="de-DE"/>
+            <a:r>
+              <a:rPr lang="de-DE" b="1" dirty="0">
+                <a:solidFill>
+                  <a:schemeClr val="bg1"/>
+                </a:solidFill>
+              </a:rPr>
+              <a:t>https://github.com/spaciva-Bauer</a:t>
+            </a:r>
           </a:p>
         </p:txBody>
       </p:sp>
+      <p:sp>
+        <p:nvSpPr>
+          <p:cNvPr id="10" name="Bogen 9">
+            <a:extLst>
+              <a:ext uri="{FF2B5EF4-FFF2-40B4-BE49-F238E27FC236}">
+                <a16:creationId xmlns:a16="http://schemas.microsoft.com/office/drawing/2014/main" id="{490C713B-5E49-A3E3-8894-637DACBF2F09}"/>
+              </a:ext>
+            </a:extLst>
+          </p:cNvPr>
+          <p:cNvSpPr/>
+          <p:nvPr/>
+        </p:nvSpPr>
+        <p:spPr>
+          <a:xfrm>
+            <a:off x="5092861" y="2811723"/>
+            <a:ext cx="3078866" cy="1736202"/>
+          </a:xfrm>
+          <a:prstGeom prst="arc">
+            <a:avLst>
+              <a:gd name="adj1" fmla="val 16200000"/>
+              <a:gd name="adj2" fmla="val 4359156"/>
+            </a:avLst>
+          </a:prstGeom>
+          <a:ln w="38100">
+            <a:tailEnd type="arrow"/>
+          </a:ln>
+        </p:spPr>
+        <p:style>
+          <a:lnRef idx="1">
+            <a:schemeClr val="accent1"/>
+          </a:lnRef>
+          <a:fillRef idx="0">
+            <a:schemeClr val="accent1"/>
+          </a:fillRef>
+          <a:effectRef idx="0">
+            <a:schemeClr val="accent1"/>
+          </a:effectRef>
+          <a:fontRef idx="minor">
+            <a:schemeClr val="tx1"/>
+          </a:fontRef>
+        </p:style>
+        <p:txBody>
+          <a:bodyPr rtlCol="0" anchor="ctr"/>
+          <a:lstStyle/>
+          <a:p>
+            <a:pPr algn="ctr"/>
+            <a:endParaRPr lang="de-DE" dirty="0"/>
+          </a:p>
+        </p:txBody>
+      </p:sp>
+      <p:sp>
+        <p:nvSpPr>
+          <p:cNvPr id="11" name="Textfeld 10">
+            <a:extLst>
+              <a:ext uri="{FF2B5EF4-FFF2-40B4-BE49-F238E27FC236}">
+                <a16:creationId xmlns:a16="http://schemas.microsoft.com/office/drawing/2014/main" id="{6B935AF4-24C5-7BBB-8A5F-665AB1AC64C0}"/>
+              </a:ext>
+            </a:extLst>
+          </p:cNvPr>
+          <p:cNvSpPr txBox="1"/>
+          <p:nvPr/>
+        </p:nvSpPr>
+        <p:spPr>
+          <a:xfrm>
+            <a:off x="9560689" y="2894994"/>
+            <a:ext cx="1840375" cy="923330"/>
+          </a:xfrm>
+          <a:prstGeom prst="rect">
+            <a:avLst/>
+          </a:prstGeom>
+          <a:noFill/>
+        </p:spPr>
+        <p:txBody>
+          <a:bodyPr wrap="square" rtlCol="0">
+            <a:spAutoFit/>
+          </a:bodyPr>
+          <a:lstStyle/>
+          <a:p>
+            <a:r>
+              <a:rPr lang="de-DE" dirty="0">
+                <a:solidFill>
+                  <a:schemeClr val="bg1"/>
+                </a:solidFill>
+              </a:rPr>
+              <a:t>„Von der Idee zum interaktiven Arbeitsblatt“</a:t>
+            </a:r>
+          </a:p>
+        </p:txBody>
+      </p:sp>
+      <p:sp>
+        <p:nvSpPr>
+          <p:cNvPr id="12" name="Textfeld 11">
+            <a:extLst>
+              <a:ext uri="{FF2B5EF4-FFF2-40B4-BE49-F238E27FC236}">
+                <a16:creationId xmlns:a16="http://schemas.microsoft.com/office/drawing/2014/main" id="{51E53216-85CB-8DA2-A0D7-E5BEA79B9A3E}"/>
+              </a:ext>
+            </a:extLst>
+          </p:cNvPr>
+          <p:cNvSpPr txBox="1"/>
+          <p:nvPr/>
+        </p:nvSpPr>
+        <p:spPr>
+          <a:xfrm>
+            <a:off x="9560689" y="3993266"/>
+            <a:ext cx="1840375" cy="646331"/>
+          </a:xfrm>
+          <a:prstGeom prst="rect">
+            <a:avLst/>
+          </a:prstGeom>
+          <a:noFill/>
+        </p:spPr>
+        <p:txBody>
+          <a:bodyPr wrap="square" rtlCol="0">
+            <a:spAutoFit/>
+          </a:bodyPr>
+          <a:lstStyle/>
+          <a:p>
+            <a:r>
+              <a:rPr lang="de-DE" dirty="0">
+                <a:solidFill>
+                  <a:schemeClr val="bg1"/>
+                </a:solidFill>
+              </a:rPr>
+              <a:t>Mitwirkung wird begrüßt </a:t>
+            </a:r>
+            <a:r>
+              <a:rPr lang="de-DE" dirty="0">
+                <a:solidFill>
+                  <a:schemeClr val="bg1"/>
+                </a:solidFill>
+                <a:sym typeface="Wingdings" panose="05000000000000000000" pitchFamily="2" charset="2"/>
+              </a:rPr>
+              <a:t></a:t>
+            </a:r>
+            <a:endParaRPr lang="de-DE" dirty="0">
+              <a:solidFill>
+                <a:schemeClr val="bg1"/>
+              </a:solidFill>
+            </a:endParaRPr>
+          </a:p>
+        </p:txBody>
+      </p:sp>
+      <p:pic>
+        <p:nvPicPr>
+          <p:cNvPr id="14" name="Grafik 13">
+            <a:extLst>
+              <a:ext uri="{FF2B5EF4-FFF2-40B4-BE49-F238E27FC236}">
+                <a16:creationId xmlns:a16="http://schemas.microsoft.com/office/drawing/2014/main" id="{2F7D6D77-221B-5AFB-9316-CDEA2073B4BF}"/>
+              </a:ext>
+            </a:extLst>
+          </p:cNvPr>
+          <p:cNvPicPr>
+            <a:picLocks noChangeAspect="1"/>
+          </p:cNvPicPr>
+          <p:nvPr/>
+        </p:nvPicPr>
+        <p:blipFill>
+          <a:blip r:embed="rId3"/>
+          <a:stretch>
+            <a:fillRect/>
+          </a:stretch>
+        </p:blipFill>
+        <p:spPr>
+          <a:xfrm>
+            <a:off x="432314" y="1704073"/>
+            <a:ext cx="6012812" cy="2105570"/>
+          </a:xfrm>
+          <a:prstGeom prst="rect">
+            <a:avLst/>
+          </a:prstGeom>
+          <a:noFill/>
+          <a:ln>
+            <a:solidFill>
+              <a:schemeClr val="accent1"/>
+            </a:solidFill>
+          </a:ln>
+        </p:spPr>
+      </p:pic>
+      <p:pic>
+        <p:nvPicPr>
+          <p:cNvPr id="16" name="Grafik 15">
+            <a:extLst>
+              <a:ext uri="{FF2B5EF4-FFF2-40B4-BE49-F238E27FC236}">
+                <a16:creationId xmlns:a16="http://schemas.microsoft.com/office/drawing/2014/main" id="{B04D45B8-E144-2339-3B89-424A1032ADAB}"/>
+              </a:ext>
+            </a:extLst>
+          </p:cNvPr>
+          <p:cNvPicPr>
+            <a:picLocks noChangeAspect="1"/>
+          </p:cNvPicPr>
+          <p:nvPr/>
+        </p:nvPicPr>
+        <p:blipFill>
+          <a:blip r:embed="rId4"/>
+          <a:stretch>
+            <a:fillRect/>
+          </a:stretch>
+        </p:blipFill>
+        <p:spPr>
+          <a:xfrm>
+            <a:off x="432314" y="4224760"/>
+            <a:ext cx="5806265" cy="2105569"/>
+          </a:xfrm>
+          <a:prstGeom prst="rect">
+            <a:avLst/>
+          </a:prstGeom>
+          <a:ln>
+            <a:solidFill>
+              <a:schemeClr val="accent1"/>
+            </a:solidFill>
+          </a:ln>
+        </p:spPr>
+      </p:pic>
     </p:spTree>
     <p:extLst>
       <p:ext uri="{BB962C8B-B14F-4D97-AF65-F5344CB8AC3E}">
-        <p14:creationId xmlns:p14="http://schemas.microsoft.com/office/powerpoint/2010/main" val="123312159"/>
+        <p14:creationId xmlns:p14="http://schemas.microsoft.com/office/powerpoint/2010/main" val="3933297129"/>
       </p:ext>
     </p:extLst>
   </p:cSld>
   <p:clrMapOvr>
     <a:masterClrMapping/>
   </p:clrMapOvr>
+  <p:timing>
+    <p:tnLst>
+      <p:par>
+        <p:cTn id="1" dur="indefinite" restart="never" nodeType="tmRoot">
+          <p:childTnLst>
+            <p:seq concurrent="1" nextAc="seek">
+              <p:cTn id="2" dur="indefinite" nodeType="mainSeq">
+                <p:childTnLst>
+                  <p:par>
+                    <p:cTn id="3" fill="hold">
+                      <p:stCondLst>
+                        <p:cond delay="indefinite"/>
+                        <p:cond evt="onBegin" delay="0">
+                          <p:tn val="2"/>
+                        </p:cond>
+                      </p:stCondLst>
+                      <p:childTnLst>
+                        <p:par>
+                          <p:cTn id="4" fill="hold">
+                            <p:stCondLst>
+                              <p:cond delay="0"/>
+                            </p:stCondLst>
+                            <p:childTnLst>
+                              <p:par>
+                                <p:cTn id="5" presetID="1" presetClass="exit" presetSubtype="0" fill="hold" grpId="0" nodeType="withEffect">
+                                  <p:stCondLst>
+                                    <p:cond delay="0"/>
+                                  </p:stCondLst>
+                                  <p:childTnLst>
+                                    <p:set>
+                                      <p:cBhvr>
+                                        <p:cTn id="6" dur="1" fill="hold">
+                                          <p:stCondLst>
+                                            <p:cond delay="0"/>
+                                          </p:stCondLst>
+                                        </p:cTn>
+                                        <p:tgtEl>
+                                          <p:spTgt spid="10"/>
+                                        </p:tgtEl>
+                                        <p:attrNameLst>
+                                          <p:attrName>style.visibility</p:attrName>
+                                        </p:attrNameLst>
+                                      </p:cBhvr>
+                                      <p:to>
+                                        <p:strVal val="hidden"/>
+                                      </p:to>
+                                    </p:set>
+                                  </p:childTnLst>
+                                </p:cTn>
+                              </p:par>
+                              <p:par>
+                                <p:cTn id="7" presetID="1" presetClass="exit" presetSubtype="0" fill="hold" grpId="0" nodeType="withEffect">
+                                  <p:stCondLst>
+                                    <p:cond delay="0"/>
+                                  </p:stCondLst>
+                                  <p:childTnLst>
+                                    <p:set>
+                                      <p:cBhvr>
+                                        <p:cTn id="8" dur="1" fill="hold">
+                                          <p:stCondLst>
+                                            <p:cond delay="0"/>
+                                          </p:stCondLst>
+                                        </p:cTn>
+                                        <p:tgtEl>
+                                          <p:spTgt spid="11"/>
+                                        </p:tgtEl>
+                                        <p:attrNameLst>
+                                          <p:attrName>style.visibility</p:attrName>
+                                        </p:attrNameLst>
+                                      </p:cBhvr>
+                                      <p:to>
+                                        <p:strVal val="hidden"/>
+                                      </p:to>
+                                    </p:set>
+                                  </p:childTnLst>
+                                </p:cTn>
+                              </p:par>
+                              <p:par>
+                                <p:cTn id="9" presetID="1" presetClass="exit" presetSubtype="0" fill="hold" grpId="0" nodeType="withEffect">
+                                  <p:stCondLst>
+                                    <p:cond delay="0"/>
+                                  </p:stCondLst>
+                                  <p:childTnLst>
+                                    <p:set>
+                                      <p:cBhvr>
+                                        <p:cTn id="10" dur="1" fill="hold">
+                                          <p:stCondLst>
+                                            <p:cond delay="0"/>
+                                          </p:stCondLst>
+                                        </p:cTn>
+                                        <p:tgtEl>
+                                          <p:spTgt spid="12"/>
+                                        </p:tgtEl>
+                                        <p:attrNameLst>
+                                          <p:attrName>style.visibility</p:attrName>
+                                        </p:attrNameLst>
+                                      </p:cBhvr>
+                                      <p:to>
+                                        <p:strVal val="hidden"/>
+                                      </p:to>
+                                    </p:set>
+                                  </p:childTnLst>
+                                </p:cTn>
+                              </p:par>
+                              <p:par>
+                                <p:cTn id="11" presetID="1" presetClass="exit" presetSubtype="0" fill="hold" nodeType="withEffect">
+                                  <p:stCondLst>
+                                    <p:cond delay="0"/>
+                                  </p:stCondLst>
+                                  <p:childTnLst>
+                                    <p:set>
+                                      <p:cBhvr>
+                                        <p:cTn id="12" dur="1" fill="hold">
+                                          <p:stCondLst>
+                                            <p:cond delay="0"/>
+                                          </p:stCondLst>
+                                        </p:cTn>
+                                        <p:tgtEl>
+                                          <p:spTgt spid="14"/>
+                                        </p:tgtEl>
+                                        <p:attrNameLst>
+                                          <p:attrName>style.visibility</p:attrName>
+                                        </p:attrNameLst>
+                                      </p:cBhvr>
+                                      <p:to>
+                                        <p:strVal val="hidden"/>
+                                      </p:to>
+                                    </p:set>
+                                  </p:childTnLst>
+                                </p:cTn>
+                              </p:par>
+                              <p:par>
+                                <p:cTn id="13" presetID="1" presetClass="exit" presetSubtype="0" fill="hold" nodeType="withEffect">
+                                  <p:stCondLst>
+                                    <p:cond delay="0"/>
+                                  </p:stCondLst>
+                                  <p:childTnLst>
+                                    <p:set>
+                                      <p:cBhvr>
+                                        <p:cTn id="14" dur="1" fill="hold">
+                                          <p:stCondLst>
+                                            <p:cond delay="0"/>
+                                          </p:stCondLst>
+                                        </p:cTn>
+                                        <p:tgtEl>
+                                          <p:spTgt spid="16"/>
+                                        </p:tgtEl>
+                                        <p:attrNameLst>
+                                          <p:attrName>style.visibility</p:attrName>
+                                        </p:attrNameLst>
+                                      </p:cBhvr>
+                                      <p:to>
+                                        <p:strVal val="hidden"/>
+                                      </p:to>
+                                    </p:set>
+                                  </p:childTnLst>
+                                </p:cTn>
+                              </p:par>
+                            </p:childTnLst>
+                          </p:cTn>
+                        </p:par>
+                      </p:childTnLst>
+                    </p:cTn>
+                  </p:par>
+                  <p:par>
+                    <p:cTn id="15" fill="hold">
+                      <p:stCondLst>
+                        <p:cond delay="indefinite"/>
+                      </p:stCondLst>
+                      <p:childTnLst>
+                        <p:par>
+                          <p:cTn id="16" fill="hold">
+                            <p:stCondLst>
+                              <p:cond delay="0"/>
+                            </p:stCondLst>
+                            <p:childTnLst>
+                              <p:par>
+                                <p:cTn id="17" presetID="1" presetClass="entr" presetSubtype="0" fill="hold" nodeType="clickEffect">
+                                  <p:stCondLst>
+                                    <p:cond delay="0"/>
+                                  </p:stCondLst>
+                                  <p:childTnLst>
+                                    <p:set>
+                                      <p:cBhvr>
+                                        <p:cTn id="18" dur="1" fill="hold">
+                                          <p:stCondLst>
+                                            <p:cond delay="0"/>
+                                          </p:stCondLst>
+                                        </p:cTn>
+                                        <p:tgtEl>
+                                          <p:spTgt spid="14"/>
+                                        </p:tgtEl>
+                                        <p:attrNameLst>
+                                          <p:attrName>style.visibility</p:attrName>
+                                        </p:attrNameLst>
+                                      </p:cBhvr>
+                                      <p:to>
+                                        <p:strVal val="visible"/>
+                                      </p:to>
+                                    </p:set>
+                                  </p:childTnLst>
+                                </p:cTn>
+                              </p:par>
+                            </p:childTnLst>
+                          </p:cTn>
+                        </p:par>
+                      </p:childTnLst>
+                    </p:cTn>
+                  </p:par>
+                  <p:par>
+                    <p:cTn id="19" fill="hold">
+                      <p:stCondLst>
+                        <p:cond delay="indefinite"/>
+                      </p:stCondLst>
+                      <p:childTnLst>
+                        <p:par>
+                          <p:cTn id="20" fill="hold">
+                            <p:stCondLst>
+                              <p:cond delay="0"/>
+                            </p:stCondLst>
+                            <p:childTnLst>
+                              <p:par>
+                                <p:cTn id="21" presetID="1" presetClass="entr" presetSubtype="0" fill="hold" grpId="1" nodeType="clickEffect">
+                                  <p:stCondLst>
+                                    <p:cond delay="0"/>
+                                  </p:stCondLst>
+                                  <p:childTnLst>
+                                    <p:set>
+                                      <p:cBhvr>
+                                        <p:cTn id="22" dur="1" fill="hold">
+                                          <p:stCondLst>
+                                            <p:cond delay="0"/>
+                                          </p:stCondLst>
+                                        </p:cTn>
+                                        <p:tgtEl>
+                                          <p:spTgt spid="10"/>
+                                        </p:tgtEl>
+                                        <p:attrNameLst>
+                                          <p:attrName>style.visibility</p:attrName>
+                                        </p:attrNameLst>
+                                      </p:cBhvr>
+                                      <p:to>
+                                        <p:strVal val="visible"/>
+                                      </p:to>
+                                    </p:set>
+                                  </p:childTnLst>
+                                </p:cTn>
+                              </p:par>
+                              <p:par>
+                                <p:cTn id="23" presetID="1" presetClass="entr" presetSubtype="0" fill="hold" grpId="1" nodeType="withEffect">
+                                  <p:stCondLst>
+                                    <p:cond delay="0"/>
+                                  </p:stCondLst>
+                                  <p:childTnLst>
+                                    <p:set>
+                                      <p:cBhvr>
+                                        <p:cTn id="24" dur="1" fill="hold">
+                                          <p:stCondLst>
+                                            <p:cond delay="0"/>
+                                          </p:stCondLst>
+                                        </p:cTn>
+                                        <p:tgtEl>
+                                          <p:spTgt spid="11"/>
+                                        </p:tgtEl>
+                                        <p:attrNameLst>
+                                          <p:attrName>style.visibility</p:attrName>
+                                        </p:attrNameLst>
+                                      </p:cBhvr>
+                                      <p:to>
+                                        <p:strVal val="visible"/>
+                                      </p:to>
+                                    </p:set>
+                                  </p:childTnLst>
+                                </p:cTn>
+                              </p:par>
+                            </p:childTnLst>
+                          </p:cTn>
+                        </p:par>
+                      </p:childTnLst>
+                    </p:cTn>
+                  </p:par>
+                  <p:par>
+                    <p:cTn id="25" fill="hold">
+                      <p:stCondLst>
+                        <p:cond delay="indefinite"/>
+                      </p:stCondLst>
+                      <p:childTnLst>
+                        <p:par>
+                          <p:cTn id="26" fill="hold">
+                            <p:stCondLst>
+                              <p:cond delay="0"/>
+                            </p:stCondLst>
+                            <p:childTnLst>
+                              <p:par>
+                                <p:cTn id="27" presetID="1" presetClass="entr" presetSubtype="0" fill="hold" grpId="1" nodeType="clickEffect">
+                                  <p:stCondLst>
+                                    <p:cond delay="0"/>
+                                  </p:stCondLst>
+                                  <p:childTnLst>
+                                    <p:set>
+                                      <p:cBhvr>
+                                        <p:cTn id="28" dur="1" fill="hold">
+                                          <p:stCondLst>
+                                            <p:cond delay="0"/>
+                                          </p:stCondLst>
+                                        </p:cTn>
+                                        <p:tgtEl>
+                                          <p:spTgt spid="12"/>
+                                        </p:tgtEl>
+                                        <p:attrNameLst>
+                                          <p:attrName>style.visibility</p:attrName>
+                                        </p:attrNameLst>
+                                      </p:cBhvr>
+                                      <p:to>
+                                        <p:strVal val="visible"/>
+                                      </p:to>
+                                    </p:set>
+                                  </p:childTnLst>
+                                </p:cTn>
+                              </p:par>
+                            </p:childTnLst>
+                          </p:cTn>
+                        </p:par>
+                      </p:childTnLst>
+                    </p:cTn>
+                  </p:par>
+                  <p:par>
+                    <p:cTn id="29" fill="hold">
+                      <p:stCondLst>
+                        <p:cond delay="indefinite"/>
+                      </p:stCondLst>
+                      <p:childTnLst>
+                        <p:par>
+                          <p:cTn id="30" fill="hold">
+                            <p:stCondLst>
+                              <p:cond delay="0"/>
+                            </p:stCondLst>
+                            <p:childTnLst>
+                              <p:par>
+                                <p:cTn id="31" presetID="1" presetClass="entr" presetSubtype="0" fill="hold" nodeType="clickEffect">
+                                  <p:stCondLst>
+                                    <p:cond delay="0"/>
+                                  </p:stCondLst>
+                                  <p:childTnLst>
+                                    <p:set>
+                                      <p:cBhvr>
+                                        <p:cTn id="32" dur="1" fill="hold">
+                                          <p:stCondLst>
+                                            <p:cond delay="0"/>
+                                          </p:stCondLst>
+                                        </p:cTn>
+                                        <p:tgtEl>
+                                          <p:spTgt spid="16"/>
+                                        </p:tgtEl>
+                                        <p:attrNameLst>
+                                          <p:attrName>style.visibility</p:attrName>
+                                        </p:attrNameLst>
+                                      </p:cBhvr>
+                                      <p:to>
+                                        <p:strVal val="visible"/>
+                                      </p:to>
+                                    </p:set>
+                                  </p:childTnLst>
+                                </p:cTn>
+                              </p:par>
+                            </p:childTnLst>
+                          </p:cTn>
+                        </p:par>
+                      </p:childTnLst>
+                    </p:cTn>
+                  </p:par>
+                </p:childTnLst>
+              </p:cTn>
+              <p:prevCondLst>
+                <p:cond evt="onPrev" delay="0">
+                  <p:tgtEl>
+                    <p:sldTgt/>
+                  </p:tgtEl>
+                </p:cond>
+              </p:prevCondLst>
+              <p:nextCondLst>
+                <p:cond evt="onNext" delay="0">
+                  <p:tgtEl>
+                    <p:sldTgt/>
+                  </p:tgtEl>
+                </p:cond>
+              </p:nextCondLst>
+            </p:seq>
+          </p:childTnLst>
+        </p:cTn>
+      </p:par>
+    </p:tnLst>
+    <p:bldLst>
+      <p:bldP spid="10" grpId="0" animBg="1"/>
+      <p:bldP spid="10" grpId="1" animBg="1"/>
+      <p:bldP spid="11" grpId="0"/>
+      <p:bldP spid="11" grpId="1"/>
+      <p:bldP spid="12" grpId="0"/>
+      <p:bldP spid="12" grpId="1"/>
+    </p:bldLst>
+  </p:timing>
 </p:sld>
 </file>
 
@@ -19703,6 +20895,666 @@
         <p:cNvPr id="1" name="">
           <a:extLst>
             <a:ext uri="{FF2B5EF4-FFF2-40B4-BE49-F238E27FC236}">
+              <a16:creationId xmlns:a16="http://schemas.microsoft.com/office/drawing/2014/main" id="{975D0B08-2AD8-B4BE-2167-70246F20FF54}"/>
+            </a:ext>
+          </a:extLst>
+        </p:cNvPr>
+        <p:cNvGrpSpPr/>
+        <p:nvPr/>
+      </p:nvGrpSpPr>
+      <p:grpSpPr>
+        <a:xfrm>
+          <a:off x="0" y="0"/>
+          <a:ext cx="0" cy="0"/>
+          <a:chOff x="0" y="0"/>
+          <a:chExt cx="0" cy="0"/>
+        </a:xfrm>
+      </p:grpSpPr>
+      <p:sp>
+        <p:nvSpPr>
+          <p:cNvPr id="2" name="Titel 1">
+            <a:extLst>
+              <a:ext uri="{FF2B5EF4-FFF2-40B4-BE49-F238E27FC236}">
+                <a16:creationId xmlns:a16="http://schemas.microsoft.com/office/drawing/2014/main" id="{47214D26-0AE1-601D-7FA5-7C772EB75F8E}"/>
+              </a:ext>
+            </a:extLst>
+          </p:cNvPr>
+          <p:cNvSpPr>
+            <a:spLocks noGrp="1"/>
+          </p:cNvSpPr>
+          <p:nvPr>
+            <p:ph type="title"/>
+          </p:nvPr>
+        </p:nvSpPr>
+        <p:spPr>
+          <a:xfrm>
+            <a:off x="432314" y="227903"/>
+            <a:ext cx="10873740" cy="1253656"/>
+          </a:xfrm>
+        </p:spPr>
+        <p:txBody>
+          <a:bodyPr/>
+          <a:lstStyle/>
+          <a:p>
+            <a:r>
+              <a:rPr lang="de-DE" dirty="0"/>
+              <a:t>Materialien</a:t>
+            </a:r>
+          </a:p>
+        </p:txBody>
+      </p:sp>
+      <p:sp>
+        <p:nvSpPr>
+          <p:cNvPr id="5" name="Textfeld 4">
+            <a:extLst>
+              <a:ext uri="{FF2B5EF4-FFF2-40B4-BE49-F238E27FC236}">
+                <a16:creationId xmlns:a16="http://schemas.microsoft.com/office/drawing/2014/main" id="{6D6B25C7-E37C-0E87-F227-9F3A86B5560D}"/>
+              </a:ext>
+            </a:extLst>
+          </p:cNvPr>
+          <p:cNvSpPr txBox="1"/>
+          <p:nvPr/>
+        </p:nvSpPr>
+        <p:spPr>
+          <a:xfrm>
+            <a:off x="4898985" y="991490"/>
+            <a:ext cx="3758878" cy="369332"/>
+          </a:xfrm>
+          <a:prstGeom prst="rect">
+            <a:avLst/>
+          </a:prstGeom>
+          <a:noFill/>
+        </p:spPr>
+        <p:txBody>
+          <a:bodyPr wrap="square">
+            <a:spAutoFit/>
+          </a:bodyPr>
+          <a:lstStyle/>
+          <a:p>
+            <a:r>
+              <a:rPr lang="de-DE" b="1" dirty="0">
+                <a:solidFill>
+                  <a:schemeClr val="bg1"/>
+                </a:solidFill>
+              </a:rPr>
+              <a:t>https://github.com/spaciva-Bauer</a:t>
+            </a:r>
+          </a:p>
+        </p:txBody>
+      </p:sp>
+      <p:pic>
+        <p:nvPicPr>
+          <p:cNvPr id="4" name="Grafik 3">
+            <a:extLst>
+              <a:ext uri="{FF2B5EF4-FFF2-40B4-BE49-F238E27FC236}">
+                <a16:creationId xmlns:a16="http://schemas.microsoft.com/office/drawing/2014/main" id="{3F52DF28-689D-B486-3143-501AB37CA679}"/>
+              </a:ext>
+            </a:extLst>
+          </p:cNvPr>
+          <p:cNvPicPr>
+            <a:picLocks noChangeAspect="1"/>
+          </p:cNvPicPr>
+          <p:nvPr/>
+        </p:nvPicPr>
+        <p:blipFill>
+          <a:blip r:embed="rId3"/>
+          <a:stretch>
+            <a:fillRect/>
+          </a:stretch>
+        </p:blipFill>
+        <p:spPr>
+          <a:xfrm>
+            <a:off x="432313" y="1869548"/>
+            <a:ext cx="5488385" cy="2332061"/>
+          </a:xfrm>
+          <a:prstGeom prst="rect">
+            <a:avLst/>
+          </a:prstGeom>
+        </p:spPr>
+      </p:pic>
+      <p:pic>
+        <p:nvPicPr>
+          <p:cNvPr id="7" name="Grafik 6">
+            <a:extLst>
+              <a:ext uri="{FF2B5EF4-FFF2-40B4-BE49-F238E27FC236}">
+                <a16:creationId xmlns:a16="http://schemas.microsoft.com/office/drawing/2014/main" id="{D11A71A9-C61B-7680-CA8A-EBA86040EE7D}"/>
+              </a:ext>
+            </a:extLst>
+          </p:cNvPr>
+          <p:cNvPicPr>
+            <a:picLocks noChangeAspect="1"/>
+          </p:cNvPicPr>
+          <p:nvPr/>
+        </p:nvPicPr>
+        <p:blipFill>
+          <a:blip r:embed="rId4"/>
+          <a:stretch>
+            <a:fillRect/>
+          </a:stretch>
+        </p:blipFill>
+        <p:spPr>
+          <a:xfrm>
+            <a:off x="7286931" y="2124409"/>
+            <a:ext cx="2741864" cy="2163304"/>
+          </a:xfrm>
+          <a:prstGeom prst="rect">
+            <a:avLst/>
+          </a:prstGeom>
+        </p:spPr>
+      </p:pic>
+      <p:sp>
+        <p:nvSpPr>
+          <p:cNvPr id="8" name="Rechteck: abgerundete Ecken 7">
+            <a:extLst>
+              <a:ext uri="{FF2B5EF4-FFF2-40B4-BE49-F238E27FC236}">
+                <a16:creationId xmlns:a16="http://schemas.microsoft.com/office/drawing/2014/main" id="{F620E8B3-3AD2-B83B-1425-9DEE30100B87}"/>
+              </a:ext>
+            </a:extLst>
+          </p:cNvPr>
+          <p:cNvSpPr/>
+          <p:nvPr/>
+        </p:nvSpPr>
+        <p:spPr>
+          <a:xfrm>
+            <a:off x="7286931" y="2870522"/>
+            <a:ext cx="2424228" cy="740779"/>
+          </a:xfrm>
+          <a:prstGeom prst="roundRect">
+            <a:avLst/>
+          </a:prstGeom>
+          <a:noFill/>
+          <a:ln w="38100">
+            <a:solidFill>
+              <a:srgbClr val="FF0000"/>
+            </a:solidFill>
+          </a:ln>
+        </p:spPr>
+        <p:style>
+          <a:lnRef idx="2">
+            <a:schemeClr val="accent1">
+              <a:shade val="15000"/>
+            </a:schemeClr>
+          </a:lnRef>
+          <a:fillRef idx="1">
+            <a:schemeClr val="accent1"/>
+          </a:fillRef>
+          <a:effectRef idx="0">
+            <a:schemeClr val="accent1"/>
+          </a:effectRef>
+          <a:fontRef idx="minor">
+            <a:schemeClr val="lt1"/>
+          </a:fontRef>
+        </p:style>
+        <p:txBody>
+          <a:bodyPr rtlCol="0" anchor="ctr"/>
+          <a:lstStyle/>
+          <a:p>
+            <a:pPr algn="ctr"/>
+            <a:endParaRPr lang="de-DE"/>
+          </a:p>
+        </p:txBody>
+      </p:sp>
+    </p:spTree>
+    <p:extLst>
+      <p:ext uri="{BB962C8B-B14F-4D97-AF65-F5344CB8AC3E}">
+        <p14:creationId xmlns:p14="http://schemas.microsoft.com/office/powerpoint/2010/main" val="3786705596"/>
+      </p:ext>
+    </p:extLst>
+  </p:cSld>
+  <p:clrMapOvr>
+    <a:masterClrMapping/>
+  </p:clrMapOvr>
+</p:sld>
+</file>
+
+<file path=ppt/slides/slide21.xml><?xml version="1.0" encoding="utf-8"?>
+<p:sld xmlns:a="http://schemas.openxmlformats.org/drawingml/2006/main" xmlns:r="http://schemas.openxmlformats.org/officeDocument/2006/relationships" xmlns:p="http://schemas.openxmlformats.org/presentationml/2006/main">
+  <p:cSld>
+    <p:spTree>
+      <p:nvGrpSpPr>
+        <p:cNvPr id="1" name="">
+          <a:extLst>
+            <a:ext uri="{FF2B5EF4-FFF2-40B4-BE49-F238E27FC236}">
+              <a16:creationId xmlns:a16="http://schemas.microsoft.com/office/drawing/2014/main" id="{7FC5120C-12F4-9B57-91DD-7601E93F4E74}"/>
+            </a:ext>
+          </a:extLst>
+        </p:cNvPr>
+        <p:cNvGrpSpPr/>
+        <p:nvPr/>
+      </p:nvGrpSpPr>
+      <p:grpSpPr>
+        <a:xfrm>
+          <a:off x="0" y="0"/>
+          <a:ext cx="0" cy="0"/>
+          <a:chOff x="0" y="0"/>
+          <a:chExt cx="0" cy="0"/>
+        </a:xfrm>
+      </p:grpSpPr>
+      <p:sp>
+        <p:nvSpPr>
+          <p:cNvPr id="2" name="Titel 1">
+            <a:extLst>
+              <a:ext uri="{FF2B5EF4-FFF2-40B4-BE49-F238E27FC236}">
+                <a16:creationId xmlns:a16="http://schemas.microsoft.com/office/drawing/2014/main" id="{C69CBF59-BE66-485B-19B1-AB442FC197E1}"/>
+              </a:ext>
+            </a:extLst>
+          </p:cNvPr>
+          <p:cNvSpPr>
+            <a:spLocks noGrp="1"/>
+          </p:cNvSpPr>
+          <p:nvPr>
+            <p:ph type="title"/>
+          </p:nvPr>
+        </p:nvSpPr>
+        <p:spPr>
+          <a:xfrm>
+            <a:off x="432314" y="227903"/>
+            <a:ext cx="10873740" cy="1253656"/>
+          </a:xfrm>
+        </p:spPr>
+        <p:txBody>
+          <a:bodyPr/>
+          <a:lstStyle/>
+          <a:p>
+            <a:r>
+              <a:rPr lang="de-DE" dirty="0"/>
+              <a:t>Materialien</a:t>
+            </a:r>
+          </a:p>
+        </p:txBody>
+      </p:sp>
+      <p:sp>
+        <p:nvSpPr>
+          <p:cNvPr id="5" name="Textfeld 4">
+            <a:extLst>
+              <a:ext uri="{FF2B5EF4-FFF2-40B4-BE49-F238E27FC236}">
+                <a16:creationId xmlns:a16="http://schemas.microsoft.com/office/drawing/2014/main" id="{095D7993-572E-5658-7B1B-574E55ECF346}"/>
+              </a:ext>
+            </a:extLst>
+          </p:cNvPr>
+          <p:cNvSpPr txBox="1"/>
+          <p:nvPr/>
+        </p:nvSpPr>
+        <p:spPr>
+          <a:xfrm>
+            <a:off x="4898985" y="991490"/>
+            <a:ext cx="3758878" cy="369332"/>
+          </a:xfrm>
+          <a:prstGeom prst="rect">
+            <a:avLst/>
+          </a:prstGeom>
+          <a:noFill/>
+        </p:spPr>
+        <p:txBody>
+          <a:bodyPr wrap="square">
+            <a:spAutoFit/>
+          </a:bodyPr>
+          <a:lstStyle/>
+          <a:p>
+            <a:r>
+              <a:rPr lang="de-DE" b="1" dirty="0">
+                <a:solidFill>
+                  <a:schemeClr val="bg1"/>
+                </a:solidFill>
+              </a:rPr>
+              <a:t>https://github.com/spaciva-Bauer</a:t>
+            </a:r>
+          </a:p>
+        </p:txBody>
+      </p:sp>
+      <p:grpSp>
+        <p:nvGrpSpPr>
+          <p:cNvPr id="3" name="Gruppieren 2">
+            <a:extLst>
+              <a:ext uri="{FF2B5EF4-FFF2-40B4-BE49-F238E27FC236}">
+                <a16:creationId xmlns:a16="http://schemas.microsoft.com/office/drawing/2014/main" id="{EE494503-A8BB-11EC-AF8C-4F04A86F895C}"/>
+              </a:ext>
+            </a:extLst>
+          </p:cNvPr>
+          <p:cNvGrpSpPr/>
+          <p:nvPr/>
+        </p:nvGrpSpPr>
+        <p:grpSpPr>
+          <a:xfrm>
+            <a:off x="432314" y="1754020"/>
+            <a:ext cx="2741864" cy="2163304"/>
+            <a:chOff x="7286931" y="2124409"/>
+            <a:chExt cx="2741864" cy="2163304"/>
+          </a:xfrm>
+        </p:grpSpPr>
+        <p:pic>
+          <p:nvPicPr>
+            <p:cNvPr id="7" name="Grafik 6">
+              <a:extLst>
+                <a:ext uri="{FF2B5EF4-FFF2-40B4-BE49-F238E27FC236}">
+                  <a16:creationId xmlns:a16="http://schemas.microsoft.com/office/drawing/2014/main" id="{34192B34-ABBB-E01F-D348-D73C122C2737}"/>
+                </a:ext>
+              </a:extLst>
+            </p:cNvPr>
+            <p:cNvPicPr>
+              <a:picLocks noChangeAspect="1"/>
+            </p:cNvPicPr>
+            <p:nvPr/>
+          </p:nvPicPr>
+          <p:blipFill>
+            <a:blip r:embed="rId3"/>
+            <a:stretch>
+              <a:fillRect/>
+            </a:stretch>
+          </p:blipFill>
+          <p:spPr>
+            <a:xfrm>
+              <a:off x="7286931" y="2124409"/>
+              <a:ext cx="2741864" cy="2163304"/>
+            </a:xfrm>
+            <a:prstGeom prst="rect">
+              <a:avLst/>
+            </a:prstGeom>
+          </p:spPr>
+        </p:pic>
+        <p:sp>
+          <p:nvSpPr>
+            <p:cNvPr id="8" name="Rechteck: abgerundete Ecken 7">
+              <a:extLst>
+                <a:ext uri="{FF2B5EF4-FFF2-40B4-BE49-F238E27FC236}">
+                  <a16:creationId xmlns:a16="http://schemas.microsoft.com/office/drawing/2014/main" id="{22F7C8B7-32CC-2E09-03B0-078967B0A6BD}"/>
+                </a:ext>
+              </a:extLst>
+            </p:cNvPr>
+            <p:cNvSpPr/>
+            <p:nvPr/>
+          </p:nvSpPr>
+          <p:spPr>
+            <a:xfrm>
+              <a:off x="7286931" y="2870522"/>
+              <a:ext cx="2424228" cy="740779"/>
+            </a:xfrm>
+            <a:prstGeom prst="roundRect">
+              <a:avLst/>
+            </a:prstGeom>
+            <a:noFill/>
+            <a:ln w="38100">
+              <a:solidFill>
+                <a:srgbClr val="FF0000"/>
+              </a:solidFill>
+            </a:ln>
+          </p:spPr>
+          <p:style>
+            <a:lnRef idx="2">
+              <a:schemeClr val="accent1">
+                <a:shade val="15000"/>
+              </a:schemeClr>
+            </a:lnRef>
+            <a:fillRef idx="1">
+              <a:schemeClr val="accent1"/>
+            </a:fillRef>
+            <a:effectRef idx="0">
+              <a:schemeClr val="accent1"/>
+            </a:effectRef>
+            <a:fontRef idx="minor">
+              <a:schemeClr val="lt1"/>
+            </a:fontRef>
+          </p:style>
+          <p:txBody>
+            <a:bodyPr rtlCol="0" anchor="ctr"/>
+            <a:lstStyle/>
+            <a:p>
+              <a:pPr algn="ctr"/>
+              <a:endParaRPr lang="de-DE"/>
+            </a:p>
+          </p:txBody>
+        </p:sp>
+      </p:grpSp>
+      <p:pic>
+        <p:nvPicPr>
+          <p:cNvPr id="9" name="Grafik 8">
+            <a:extLst>
+              <a:ext uri="{FF2B5EF4-FFF2-40B4-BE49-F238E27FC236}">
+                <a16:creationId xmlns:a16="http://schemas.microsoft.com/office/drawing/2014/main" id="{7C502725-225F-5485-A6D4-324C0CA10EF2}"/>
+              </a:ext>
+            </a:extLst>
+          </p:cNvPr>
+          <p:cNvPicPr>
+            <a:picLocks noChangeAspect="1"/>
+          </p:cNvPicPr>
+          <p:nvPr/>
+        </p:nvPicPr>
+        <p:blipFill>
+          <a:blip r:embed="rId4"/>
+          <a:stretch>
+            <a:fillRect/>
+          </a:stretch>
+        </p:blipFill>
+        <p:spPr>
+          <a:xfrm>
+            <a:off x="5030578" y="1749362"/>
+            <a:ext cx="3361068" cy="4335924"/>
+          </a:xfrm>
+          <a:prstGeom prst="rect">
+            <a:avLst/>
+          </a:prstGeom>
+          <a:noFill/>
+        </p:spPr>
+      </p:pic>
+      <p:sp>
+        <p:nvSpPr>
+          <p:cNvPr id="10" name="Textfeld 9">
+            <a:extLst>
+              <a:ext uri="{FF2B5EF4-FFF2-40B4-BE49-F238E27FC236}">
+                <a16:creationId xmlns:a16="http://schemas.microsoft.com/office/drawing/2014/main" id="{BADC0E7B-C385-B3A0-3C1A-966A4242F987}"/>
+              </a:ext>
+            </a:extLst>
+          </p:cNvPr>
+          <p:cNvSpPr txBox="1"/>
+          <p:nvPr/>
+        </p:nvSpPr>
+        <p:spPr>
+          <a:xfrm>
+            <a:off x="4710896" y="1749362"/>
+            <a:ext cx="3946967" cy="4335924"/>
+          </a:xfrm>
+          <a:prstGeom prst="rect">
+            <a:avLst/>
+          </a:prstGeom>
+          <a:gradFill>
+            <a:gsLst>
+              <a:gs pos="38000">
+                <a:schemeClr val="accent2">
+                  <a:alpha val="0"/>
+                  <a:lumMod val="30000"/>
+                  <a:lumOff val="70000"/>
+                </a:schemeClr>
+              </a:gs>
+              <a:gs pos="99000">
+                <a:schemeClr val="accent2">
+                  <a:lumMod val="45000"/>
+                  <a:lumOff val="55000"/>
+                </a:schemeClr>
+              </a:gs>
+            </a:gsLst>
+            <a:lin ang="5400000" scaled="1"/>
+          </a:gradFill>
+        </p:spPr>
+        <p:txBody>
+          <a:bodyPr wrap="square" rtlCol="0">
+            <a:spAutoFit/>
+          </a:bodyPr>
+          <a:lstStyle/>
+          <a:p>
+            <a:endParaRPr lang="de-DE" dirty="0"/>
+          </a:p>
+        </p:txBody>
+      </p:sp>
+    </p:spTree>
+    <p:extLst>
+      <p:ext uri="{BB962C8B-B14F-4D97-AF65-F5344CB8AC3E}">
+        <p14:creationId xmlns:p14="http://schemas.microsoft.com/office/powerpoint/2010/main" val="1966358590"/>
+      </p:ext>
+    </p:extLst>
+  </p:cSld>
+  <p:clrMapOvr>
+    <a:masterClrMapping/>
+  </p:clrMapOvr>
+</p:sld>
+</file>
+
+<file path=ppt/slides/slide22.xml><?xml version="1.0" encoding="utf-8"?>
+<p:sld xmlns:a="http://schemas.openxmlformats.org/drawingml/2006/main" xmlns:r="http://schemas.openxmlformats.org/officeDocument/2006/relationships" xmlns:p="http://schemas.openxmlformats.org/presentationml/2006/main">
+  <p:cSld>
+    <p:spTree>
+      <p:nvGrpSpPr>
+        <p:cNvPr id="1" name="">
+          <a:extLst>
+            <a:ext uri="{FF2B5EF4-FFF2-40B4-BE49-F238E27FC236}">
+              <a16:creationId xmlns:a16="http://schemas.microsoft.com/office/drawing/2014/main" id="{C1B7399D-8973-B106-57B7-AECDD04C82FA}"/>
+            </a:ext>
+          </a:extLst>
+        </p:cNvPr>
+        <p:cNvGrpSpPr/>
+        <p:nvPr/>
+      </p:nvGrpSpPr>
+      <p:grpSpPr>
+        <a:xfrm>
+          <a:off x="0" y="0"/>
+          <a:ext cx="0" cy="0"/>
+          <a:chOff x="0" y="0"/>
+          <a:chExt cx="0" cy="0"/>
+        </a:xfrm>
+      </p:grpSpPr>
+      <p:sp>
+        <p:nvSpPr>
+          <p:cNvPr id="2" name="Titel 1">
+            <a:extLst>
+              <a:ext uri="{FF2B5EF4-FFF2-40B4-BE49-F238E27FC236}">
+                <a16:creationId xmlns:a16="http://schemas.microsoft.com/office/drawing/2014/main" id="{DCF1D319-BEEB-73DC-1426-F30DECE8E045}"/>
+              </a:ext>
+            </a:extLst>
+          </p:cNvPr>
+          <p:cNvSpPr>
+            <a:spLocks noGrp="1"/>
+          </p:cNvSpPr>
+          <p:nvPr>
+            <p:ph type="title"/>
+          </p:nvPr>
+        </p:nvSpPr>
+        <p:spPr>
+          <a:xfrm>
+            <a:off x="432314" y="227903"/>
+            <a:ext cx="10873740" cy="1253656"/>
+          </a:xfrm>
+        </p:spPr>
+        <p:txBody>
+          <a:bodyPr/>
+          <a:lstStyle/>
+          <a:p>
+            <a:r>
+              <a:rPr lang="de-DE" dirty="0"/>
+              <a:t>Gemeinsame Einführung Szenario A/B </a:t>
+            </a:r>
+          </a:p>
+        </p:txBody>
+      </p:sp>
+    </p:spTree>
+    <p:extLst>
+      <p:ext uri="{BB962C8B-B14F-4D97-AF65-F5344CB8AC3E}">
+        <p14:creationId xmlns:p14="http://schemas.microsoft.com/office/powerpoint/2010/main" val="256046252"/>
+      </p:ext>
+    </p:extLst>
+  </p:cSld>
+  <p:clrMapOvr>
+    <a:masterClrMapping/>
+  </p:clrMapOvr>
+</p:sld>
+</file>
+
+<file path=ppt/slides/slide23.xml><?xml version="1.0" encoding="utf-8"?>
+<p:sld xmlns:a="http://schemas.openxmlformats.org/drawingml/2006/main" xmlns:r="http://schemas.openxmlformats.org/officeDocument/2006/relationships" xmlns:p="http://schemas.openxmlformats.org/presentationml/2006/main">
+  <p:cSld>
+    <p:spTree>
+      <p:nvGrpSpPr>
+        <p:cNvPr id="1" name=""/>
+        <p:cNvGrpSpPr/>
+        <p:nvPr/>
+      </p:nvGrpSpPr>
+      <p:grpSpPr>
+        <a:xfrm>
+          <a:off x="0" y="0"/>
+          <a:ext cx="0" cy="0"/>
+          <a:chOff x="0" y="0"/>
+          <a:chExt cx="0" cy="0"/>
+        </a:xfrm>
+      </p:grpSpPr>
+      <p:sp>
+        <p:nvSpPr>
+          <p:cNvPr id="2" name="Titel 1">
+            <a:extLst>
+              <a:ext uri="{FF2B5EF4-FFF2-40B4-BE49-F238E27FC236}">
+                <a16:creationId xmlns:a16="http://schemas.microsoft.com/office/drawing/2014/main" id="{159DAD8D-34EB-B05B-11AE-7E6E22C3440E}"/>
+              </a:ext>
+            </a:extLst>
+          </p:cNvPr>
+          <p:cNvSpPr>
+            <a:spLocks noGrp="1"/>
+          </p:cNvSpPr>
+          <p:nvPr>
+            <p:ph type="title"/>
+          </p:nvPr>
+        </p:nvSpPr>
+        <p:spPr/>
+        <p:txBody>
+          <a:bodyPr/>
+          <a:lstStyle/>
+          <a:p>
+            <a:endParaRPr lang="de-DE"/>
+          </a:p>
+        </p:txBody>
+      </p:sp>
+      <p:sp>
+        <p:nvSpPr>
+          <p:cNvPr id="3" name="Inhaltsplatzhalter 2">
+            <a:extLst>
+              <a:ext uri="{FF2B5EF4-FFF2-40B4-BE49-F238E27FC236}">
+                <a16:creationId xmlns:a16="http://schemas.microsoft.com/office/drawing/2014/main" id="{CFA88B43-6237-D0DF-AC6A-3B51C541AB00}"/>
+              </a:ext>
+            </a:extLst>
+          </p:cNvPr>
+          <p:cNvSpPr>
+            <a:spLocks noGrp="1"/>
+          </p:cNvSpPr>
+          <p:nvPr>
+            <p:ph sz="quarter" idx="13"/>
+          </p:nvPr>
+        </p:nvSpPr>
+        <p:spPr/>
+        <p:txBody>
+          <a:bodyPr/>
+          <a:lstStyle/>
+          <a:p>
+            <a:endParaRPr lang="de-DE"/>
+          </a:p>
+        </p:txBody>
+      </p:sp>
+    </p:spTree>
+    <p:extLst>
+      <p:ext uri="{BB962C8B-B14F-4D97-AF65-F5344CB8AC3E}">
+        <p14:creationId xmlns:p14="http://schemas.microsoft.com/office/powerpoint/2010/main" val="123312159"/>
+      </p:ext>
+    </p:extLst>
+  </p:cSld>
+  <p:clrMapOvr>
+    <a:masterClrMapping/>
+  </p:clrMapOvr>
+</p:sld>
+</file>
+
+<file path=ppt/slides/slide24.xml><?xml version="1.0" encoding="utf-8"?>
+<p:sld xmlns:a="http://schemas.openxmlformats.org/drawingml/2006/main" xmlns:r="http://schemas.openxmlformats.org/officeDocument/2006/relationships" xmlns:p="http://schemas.openxmlformats.org/presentationml/2006/main">
+  <p:cSld>
+    <p:spTree>
+      <p:nvGrpSpPr>
+        <p:cNvPr id="1" name="">
+          <a:extLst>
+            <a:ext uri="{FF2B5EF4-FFF2-40B4-BE49-F238E27FC236}">
               <a16:creationId xmlns:a16="http://schemas.microsoft.com/office/drawing/2014/main" id="{99637E25-76DE-EFB4-0E33-4FFD6E77C8D5}"/>
             </a:ext>
           </a:extLst>
@@ -19751,6 +21603,211 @@
           </a:p>
         </p:txBody>
       </p:sp>
+      <p:graphicFrame>
+        <p:nvGraphicFramePr>
+          <p:cNvPr id="3" name="Tabelle 2">
+            <a:extLst>
+              <a:ext uri="{FF2B5EF4-FFF2-40B4-BE49-F238E27FC236}">
+                <a16:creationId xmlns:a16="http://schemas.microsoft.com/office/drawing/2014/main" id="{F85A9870-5972-6613-4480-19FA71A8E4B9}"/>
+              </a:ext>
+            </a:extLst>
+          </p:cNvPr>
+          <p:cNvGraphicFramePr>
+            <a:graphicFrameLocks noGrp="1"/>
+          </p:cNvGraphicFramePr>
+          <p:nvPr>
+            <p:extLst>
+              <p:ext uri="{D42A27DB-BD31-4B8C-83A1-F6EECF244321}">
+                <p14:modId xmlns:p14="http://schemas.microsoft.com/office/powerpoint/2010/main" val="2636294497"/>
+              </p:ext>
+            </p:extLst>
+          </p:nvPr>
+        </p:nvGraphicFramePr>
+        <p:xfrm>
+          <a:off x="573590" y="2120203"/>
+          <a:ext cx="8128000" cy="1112520"/>
+        </p:xfrm>
+        <a:graphic>
+          <a:graphicData uri="http://schemas.openxmlformats.org/drawingml/2006/table">
+            <a:tbl>
+              <a:tblPr firstRow="1" bandRow="1">
+                <a:tableStyleId>{8A107856-5554-42FB-B03E-39F5DBC370BA}</a:tableStyleId>
+              </a:tblPr>
+              <a:tblGrid>
+                <a:gridCol w="2032000">
+                  <a:extLst>
+                    <a:ext uri="{9D8B030D-6E8A-4147-A177-3AD203B41FA5}">
+                      <a16:colId xmlns:a16="http://schemas.microsoft.com/office/drawing/2014/main" val="1628712273"/>
+                    </a:ext>
+                  </a:extLst>
+                </a:gridCol>
+                <a:gridCol w="2032000">
+                  <a:extLst>
+                    <a:ext uri="{9D8B030D-6E8A-4147-A177-3AD203B41FA5}">
+                      <a16:colId xmlns:a16="http://schemas.microsoft.com/office/drawing/2014/main" val="3147092146"/>
+                    </a:ext>
+                  </a:extLst>
+                </a:gridCol>
+                <a:gridCol w="2032000">
+                  <a:extLst>
+                    <a:ext uri="{9D8B030D-6E8A-4147-A177-3AD203B41FA5}">
+                      <a16:colId xmlns:a16="http://schemas.microsoft.com/office/drawing/2014/main" val="1618410339"/>
+                    </a:ext>
+                  </a:extLst>
+                </a:gridCol>
+                <a:gridCol w="2032000">
+                  <a:extLst>
+                    <a:ext uri="{9D8B030D-6E8A-4147-A177-3AD203B41FA5}">
+                      <a16:colId xmlns:a16="http://schemas.microsoft.com/office/drawing/2014/main" val="171852465"/>
+                    </a:ext>
+                  </a:extLst>
+                </a:gridCol>
+              </a:tblGrid>
+              <a:tr h="370840">
+                <a:tc>
+                  <a:txBody>
+                    <a:bodyPr/>
+                    <a:lstStyle/>
+                    <a:p>
+                      <a:endParaRPr lang="de-DE"/>
+                    </a:p>
+                  </a:txBody>
+                  <a:tcPr/>
+                </a:tc>
+                <a:tc>
+                  <a:txBody>
+                    <a:bodyPr/>
+                    <a:lstStyle/>
+                    <a:p>
+                      <a:endParaRPr lang="de-DE"/>
+                    </a:p>
+                  </a:txBody>
+                  <a:tcPr/>
+                </a:tc>
+                <a:tc>
+                  <a:txBody>
+                    <a:bodyPr/>
+                    <a:lstStyle/>
+                    <a:p>
+                      <a:endParaRPr lang="de-DE"/>
+                    </a:p>
+                  </a:txBody>
+                  <a:tcPr/>
+                </a:tc>
+                <a:tc>
+                  <a:txBody>
+                    <a:bodyPr/>
+                    <a:lstStyle/>
+                    <a:p>
+                      <a:endParaRPr lang="de-DE"/>
+                    </a:p>
+                  </a:txBody>
+                  <a:tcPr/>
+                </a:tc>
+                <a:extLst>
+                  <a:ext uri="{0D108BD9-81ED-4DB2-BD59-A6C34878D82A}">
+                    <a16:rowId xmlns:a16="http://schemas.microsoft.com/office/drawing/2014/main" val="2450316501"/>
+                  </a:ext>
+                </a:extLst>
+              </a:tr>
+              <a:tr h="370840">
+                <a:tc>
+                  <a:txBody>
+                    <a:bodyPr/>
+                    <a:lstStyle/>
+                    <a:p>
+                      <a:endParaRPr lang="de-DE"/>
+                    </a:p>
+                  </a:txBody>
+                  <a:tcPr/>
+                </a:tc>
+                <a:tc>
+                  <a:txBody>
+                    <a:bodyPr/>
+                    <a:lstStyle/>
+                    <a:p>
+                      <a:endParaRPr lang="de-DE"/>
+                    </a:p>
+                  </a:txBody>
+                  <a:tcPr/>
+                </a:tc>
+                <a:tc>
+                  <a:txBody>
+                    <a:bodyPr/>
+                    <a:lstStyle/>
+                    <a:p>
+                      <a:endParaRPr lang="de-DE"/>
+                    </a:p>
+                  </a:txBody>
+                  <a:tcPr/>
+                </a:tc>
+                <a:tc>
+                  <a:txBody>
+                    <a:bodyPr/>
+                    <a:lstStyle/>
+                    <a:p>
+                      <a:endParaRPr lang="de-DE"/>
+                    </a:p>
+                  </a:txBody>
+                  <a:tcPr/>
+                </a:tc>
+                <a:extLst>
+                  <a:ext uri="{0D108BD9-81ED-4DB2-BD59-A6C34878D82A}">
+                    <a16:rowId xmlns:a16="http://schemas.microsoft.com/office/drawing/2014/main" val="4268431684"/>
+                  </a:ext>
+                </a:extLst>
+              </a:tr>
+              <a:tr h="370840">
+                <a:tc>
+                  <a:txBody>
+                    <a:bodyPr/>
+                    <a:lstStyle/>
+                    <a:p>
+                      <a:endParaRPr lang="de-DE"/>
+                    </a:p>
+                  </a:txBody>
+                  <a:tcPr/>
+                </a:tc>
+                <a:tc>
+                  <a:txBody>
+                    <a:bodyPr/>
+                    <a:lstStyle/>
+                    <a:p>
+                      <a:endParaRPr lang="de-DE"/>
+                    </a:p>
+                  </a:txBody>
+                  <a:tcPr/>
+                </a:tc>
+                <a:tc>
+                  <a:txBody>
+                    <a:bodyPr/>
+                    <a:lstStyle/>
+                    <a:p>
+                      <a:endParaRPr lang="de-DE"/>
+                    </a:p>
+                  </a:txBody>
+                  <a:tcPr/>
+                </a:tc>
+                <a:tc>
+                  <a:txBody>
+                    <a:bodyPr/>
+                    <a:lstStyle/>
+                    <a:p>
+                      <a:endParaRPr lang="de-DE" dirty="0"/>
+                    </a:p>
+                  </a:txBody>
+                  <a:tcPr/>
+                </a:tc>
+                <a:extLst>
+                  <a:ext uri="{0D108BD9-81ED-4DB2-BD59-A6C34878D82A}">
+                    <a16:rowId xmlns:a16="http://schemas.microsoft.com/office/drawing/2014/main" val="3522830757"/>
+                  </a:ext>
+                </a:extLst>
+              </a:tr>
+            </a:tbl>
+          </a:graphicData>
+        </a:graphic>
+      </p:graphicFrame>
     </p:spTree>
     <p:extLst>
       <p:ext uri="{BB962C8B-B14F-4D97-AF65-F5344CB8AC3E}">
@@ -19764,7 +21821,7 @@
 </p:sld>
 </file>
 
-<file path=ppt/slides/slide21.xml><?xml version="1.0" encoding="utf-8"?>
+<file path=ppt/slides/slide25.xml><?xml version="1.0" encoding="utf-8"?>
 <p:sld xmlns:a="http://schemas.openxmlformats.org/drawingml/2006/main" xmlns:r="http://schemas.openxmlformats.org/officeDocument/2006/relationships" xmlns:p="http://schemas.openxmlformats.org/presentationml/2006/main">
   <p:cSld>
     <p:spTree>
@@ -20173,7 +22230,115 @@
 </p:sld>
 </file>
 
-<file path=ppt/slides/slide22.xml><?xml version="1.0" encoding="utf-8"?>
+<file path=ppt/slides/slide26.xml><?xml version="1.0" encoding="utf-8"?>
+<p:sld xmlns:a="http://schemas.openxmlformats.org/drawingml/2006/main" xmlns:r="http://schemas.openxmlformats.org/officeDocument/2006/relationships" xmlns:p="http://schemas.openxmlformats.org/presentationml/2006/main">
+  <p:cSld>
+    <p:spTree>
+      <p:nvGrpSpPr>
+        <p:cNvPr id="1" name="">
+          <a:extLst>
+            <a:ext uri="{FF2B5EF4-FFF2-40B4-BE49-F238E27FC236}">
+              <a16:creationId xmlns:a16="http://schemas.microsoft.com/office/drawing/2014/main" id="{81DC3B04-A074-ECF0-D5FA-44C4FEA92FC0}"/>
+            </a:ext>
+          </a:extLst>
+        </p:cNvPr>
+        <p:cNvGrpSpPr/>
+        <p:nvPr/>
+      </p:nvGrpSpPr>
+      <p:grpSpPr>
+        <a:xfrm>
+          <a:off x="0" y="0"/>
+          <a:ext cx="0" cy="0"/>
+          <a:chOff x="0" y="0"/>
+          <a:chExt cx="0" cy="0"/>
+        </a:xfrm>
+      </p:grpSpPr>
+      <p:sp>
+        <p:nvSpPr>
+          <p:cNvPr id="2" name="Titel 1">
+            <a:extLst>
+              <a:ext uri="{FF2B5EF4-FFF2-40B4-BE49-F238E27FC236}">
+                <a16:creationId xmlns:a16="http://schemas.microsoft.com/office/drawing/2014/main" id="{C9DC46DD-76FF-1358-C155-DED2BE18EBC0}"/>
+              </a:ext>
+            </a:extLst>
+          </p:cNvPr>
+          <p:cNvSpPr>
+            <a:spLocks noGrp="1"/>
+          </p:cNvSpPr>
+          <p:nvPr>
+            <p:ph type="title"/>
+          </p:nvPr>
+        </p:nvSpPr>
+        <p:spPr>
+          <a:xfrm>
+            <a:off x="432314" y="227903"/>
+            <a:ext cx="10873740" cy="1253656"/>
+          </a:xfrm>
+        </p:spPr>
+        <p:txBody>
+          <a:bodyPr/>
+          <a:lstStyle/>
+          <a:p>
+            <a:r>
+              <a:rPr lang="de-DE" dirty="0"/>
+              <a:t>API-Keys erzeugen</a:t>
+            </a:r>
+          </a:p>
+        </p:txBody>
+      </p:sp>
+      <p:sp>
+        <p:nvSpPr>
+          <p:cNvPr id="3" name="Textfeld 2">
+            <a:extLst>
+              <a:ext uri="{FF2B5EF4-FFF2-40B4-BE49-F238E27FC236}">
+                <a16:creationId xmlns:a16="http://schemas.microsoft.com/office/drawing/2014/main" id="{4504B55E-0890-E177-3FD5-A7F8C32E1215}"/>
+              </a:ext>
+            </a:extLst>
+          </p:cNvPr>
+          <p:cNvSpPr txBox="1"/>
+          <p:nvPr/>
+        </p:nvSpPr>
+        <p:spPr>
+          <a:xfrm>
+            <a:off x="4098257" y="2685327"/>
+            <a:ext cx="3541853" cy="523220"/>
+          </a:xfrm>
+          <a:prstGeom prst="rect">
+            <a:avLst/>
+          </a:prstGeom>
+          <a:noFill/>
+        </p:spPr>
+        <p:txBody>
+          <a:bodyPr wrap="square" rtlCol="0">
+            <a:spAutoFit/>
+          </a:bodyPr>
+          <a:lstStyle/>
+          <a:p>
+            <a:r>
+              <a:rPr lang="de-DE" sz="2800" dirty="0">
+                <a:solidFill>
+                  <a:schemeClr val="bg1"/>
+                </a:solidFill>
+              </a:rPr>
+              <a:t>z.B. mit OpenAI (live!)</a:t>
+            </a:r>
+          </a:p>
+        </p:txBody>
+      </p:sp>
+    </p:spTree>
+    <p:extLst>
+      <p:ext uri="{BB962C8B-B14F-4D97-AF65-F5344CB8AC3E}">
+        <p14:creationId xmlns:p14="http://schemas.microsoft.com/office/powerpoint/2010/main" val="1511901778"/>
+      </p:ext>
+    </p:extLst>
+  </p:cSld>
+  <p:clrMapOvr>
+    <a:masterClrMapping/>
+  </p:clrMapOvr>
+</p:sld>
+</file>
+
+<file path=ppt/slides/slide27.xml><?xml version="1.0" encoding="utf-8"?>
 <p:sld xmlns:a="http://schemas.openxmlformats.org/drawingml/2006/main" xmlns:r="http://schemas.openxmlformats.org/officeDocument/2006/relationships" xmlns:p="http://schemas.openxmlformats.org/presentationml/2006/main">
   <p:cSld>
     <p:spTree>
@@ -20681,7 +22846,7 @@
 </p:sld>
 </file>
 
-<file path=ppt/slides/slide23.xml><?xml version="1.0" encoding="utf-8"?>
+<file path=ppt/slides/slide28.xml><?xml version="1.0" encoding="utf-8"?>
 <p:sld xmlns:a="http://schemas.openxmlformats.org/drawingml/2006/main" xmlns:r="http://schemas.openxmlformats.org/officeDocument/2006/relationships" xmlns:p="http://schemas.openxmlformats.org/presentationml/2006/main">
   <p:cSld>
     <p:spTree>
@@ -26233,6 +28398,26 @@
 </file>
 
 <file path=customXml/item2.xml><?xml version="1.0" encoding="utf-8"?>
+<p:properties xmlns:p="http://schemas.microsoft.com/office/2006/metadata/properties" xmlns:xsi="http://www.w3.org/2001/XMLSchema-instance" xmlns:pc="http://schemas.microsoft.com/office/infopath/2007/PartnerControls">
+  <documentManagement>
+    <Background xmlns="71af3243-3dd4-4a8d-8c0d-dd76da1f02a5">false</Background>
+    <Status xmlns="71af3243-3dd4-4a8d-8c0d-dd76da1f02a5">Not started</Status>
+    <_ip_UnifiedCompliancePolicyUIAction xmlns="http://schemas.microsoft.com/sharepoint/v3" xsi:nil="true"/>
+    <Image xmlns="71af3243-3dd4-4a8d-8c0d-dd76da1f02a5">
+      <Url xsi:nil="true"/>
+      <Description xsi:nil="true"/>
+    </Image>
+    <_ip_UnifiedCompliancePolicyProperties xmlns="http://schemas.microsoft.com/sharepoint/v3" xsi:nil="true"/>
+    <ImageTagsTaxHTField xmlns="71af3243-3dd4-4a8d-8c0d-dd76da1f02a5">
+      <Terms xmlns="http://schemas.microsoft.com/office/infopath/2007/PartnerControls"/>
+    </ImageTagsTaxHTField>
+    <TaxCatchAll xmlns="230e9df3-be65-4c73-a93b-d1236ebd677e" xsi:nil="true"/>
+    <MediaServiceKeyPoints xmlns="71af3243-3dd4-4a8d-8c0d-dd76da1f02a5" xsi:nil="true"/>
+  </documentManagement>
+</p:properties>
+</file>
+
+<file path=customXml/item3.xml><?xml version="1.0" encoding="utf-8"?>
 <ct:contentTypeSchema xmlns:ct="http://schemas.microsoft.com/office/2006/metadata/contentType" xmlns:ma="http://schemas.microsoft.com/office/2006/metadata/properties/metaAttributes" ct:_="" ma:_="" ma:contentTypeName="Document" ma:contentTypeID="0x01010079F111ED35F8CC479449609E8A0923A6" ma:contentTypeVersion="28" ma:contentTypeDescription="Create a new document." ma:contentTypeScope="" ma:versionID="60f5a4f2d2b0abadcf532d48ebf9cb71">
   <xsd:schema xmlns:xsd="http://www.w3.org/2001/XMLSchema" xmlns:xs="http://www.w3.org/2001/XMLSchema" xmlns:p="http://schemas.microsoft.com/office/2006/metadata/properties" xmlns:ns1="http://schemas.microsoft.com/sharepoint/v3" xmlns:ns2="71af3243-3dd4-4a8d-8c0d-dd76da1f02a5" xmlns:ns3="16c05727-aa75-4e4a-9b5f-8a80a1165891" xmlns:ns4="230e9df3-be65-4c73-a93b-d1236ebd677e" targetNamespace="http://schemas.microsoft.com/office/2006/metadata/properties" ma:root="true" ma:fieldsID="7dd78129e6a1811f84807ad11c651531" ns1:_="" ns2:_="" ns3:_="" ns4:_="">
     <xsd:import namespace="http://schemas.microsoft.com/sharepoint/v3"/>
@@ -26544,26 +28729,6 @@
 </ct:contentTypeSchema>
 </file>
 
-<file path=customXml/item3.xml><?xml version="1.0" encoding="utf-8"?>
-<p:properties xmlns:p="http://schemas.microsoft.com/office/2006/metadata/properties" xmlns:xsi="http://www.w3.org/2001/XMLSchema-instance" xmlns:pc="http://schemas.microsoft.com/office/infopath/2007/PartnerControls">
-  <documentManagement>
-    <Background xmlns="71af3243-3dd4-4a8d-8c0d-dd76da1f02a5">false</Background>
-    <Status xmlns="71af3243-3dd4-4a8d-8c0d-dd76da1f02a5">Not started</Status>
-    <_ip_UnifiedCompliancePolicyUIAction xmlns="http://schemas.microsoft.com/sharepoint/v3" xsi:nil="true"/>
-    <Image xmlns="71af3243-3dd4-4a8d-8c0d-dd76da1f02a5">
-      <Url xsi:nil="true"/>
-      <Description xsi:nil="true"/>
-    </Image>
-    <_ip_UnifiedCompliancePolicyProperties xmlns="http://schemas.microsoft.com/sharepoint/v3" xsi:nil="true"/>
-    <ImageTagsTaxHTField xmlns="71af3243-3dd4-4a8d-8c0d-dd76da1f02a5">
-      <Terms xmlns="http://schemas.microsoft.com/office/infopath/2007/PartnerControls"/>
-    </ImageTagsTaxHTField>
-    <TaxCatchAll xmlns="230e9df3-be65-4c73-a93b-d1236ebd677e" xsi:nil="true"/>
-    <MediaServiceKeyPoints xmlns="71af3243-3dd4-4a8d-8c0d-dd76da1f02a5" xsi:nil="true"/>
-  </documentManagement>
-</p:properties>
-</file>
-
 <file path=customXml/itemProps1.xml><?xml version="1.0" encoding="utf-8"?>
 <ds:datastoreItem xmlns:ds="http://schemas.openxmlformats.org/officeDocument/2006/customXml" ds:itemID="{C21FFAC0-05A2-416A-B06C-C248395482CF}">
   <ds:schemaRefs>
@@ -26573,6 +28738,25 @@
 </file>
 
 <file path=customXml/itemProps2.xml><?xml version="1.0" encoding="utf-8"?>
+<ds:datastoreItem xmlns:ds="http://schemas.openxmlformats.org/officeDocument/2006/customXml" ds:itemID="{4F4B194E-8B30-4377-8C59-ECFB902D2A26}">
+  <ds:schemaRefs>
+    <ds:schemaRef ds:uri="http://purl.org/dc/elements/1.1/"/>
+    <ds:schemaRef ds:uri="http://purl.org/dc/terms/"/>
+    <ds:schemaRef ds:uri="http://schemas.microsoft.com/office/2006/documentManagement/types"/>
+    <ds:schemaRef ds:uri="http://schemas.microsoft.com/sharepoint/v3"/>
+    <ds:schemaRef ds:uri="http://purl.org/dc/dcmitype/"/>
+    <ds:schemaRef ds:uri="16c05727-aa75-4e4a-9b5f-8a80a1165891"/>
+    <ds:schemaRef ds:uri="http://schemas.openxmlformats.org/package/2006/metadata/core-properties"/>
+    <ds:schemaRef ds:uri="71af3243-3dd4-4a8d-8c0d-dd76da1f02a5"/>
+    <ds:schemaRef ds:uri="http://schemas.microsoft.com/office/infopath/2007/PartnerControls"/>
+    <ds:schemaRef ds:uri="230e9df3-be65-4c73-a93b-d1236ebd677e"/>
+    <ds:schemaRef ds:uri="http://schemas.microsoft.com/office/2006/metadata/properties"/>
+    <ds:schemaRef ds:uri="http://www.w3.org/XML/1998/namespace"/>
+  </ds:schemaRefs>
+</ds:datastoreItem>
+</file>
+
+<file path=customXml/itemProps3.xml><?xml version="1.0" encoding="utf-8"?>
 <ds:datastoreItem xmlns:ds="http://schemas.openxmlformats.org/officeDocument/2006/customXml" ds:itemID="{92DB9E12-8AC3-4138-BF4D-720A5525AB10}">
   <ds:schemaRefs>
     <ds:schemaRef ds:uri="http://schemas.microsoft.com/office/2006/metadata/contentType"/>
@@ -26593,25 +28777,6 @@
 </ds:datastoreItem>
 </file>
 
-<file path=customXml/itemProps3.xml><?xml version="1.0" encoding="utf-8"?>
-<ds:datastoreItem xmlns:ds="http://schemas.openxmlformats.org/officeDocument/2006/customXml" ds:itemID="{4F4B194E-8B30-4377-8C59-ECFB902D2A26}">
-  <ds:schemaRefs>
-    <ds:schemaRef ds:uri="http://purl.org/dc/elements/1.1/"/>
-    <ds:schemaRef ds:uri="http://purl.org/dc/terms/"/>
-    <ds:schemaRef ds:uri="http://schemas.microsoft.com/office/2006/documentManagement/types"/>
-    <ds:schemaRef ds:uri="http://schemas.microsoft.com/sharepoint/v3"/>
-    <ds:schemaRef ds:uri="http://purl.org/dc/dcmitype/"/>
-    <ds:schemaRef ds:uri="16c05727-aa75-4e4a-9b5f-8a80a1165891"/>
-    <ds:schemaRef ds:uri="http://schemas.openxmlformats.org/package/2006/metadata/core-properties"/>
-    <ds:schemaRef ds:uri="71af3243-3dd4-4a8d-8c0d-dd76da1f02a5"/>
-    <ds:schemaRef ds:uri="http://schemas.microsoft.com/office/infopath/2007/PartnerControls"/>
-    <ds:schemaRef ds:uri="230e9df3-be65-4c73-a93b-d1236ebd677e"/>
-    <ds:schemaRef ds:uri="http://schemas.microsoft.com/office/2006/metadata/properties"/>
-    <ds:schemaRef ds:uri="http://www.w3.org/XML/1998/namespace"/>
-  </ds:schemaRefs>
-</ds:datastoreItem>
-</file>
-
 <file path=docMetadata/LabelInfo.xml><?xml version="1.0" encoding="utf-8"?>
 <clbl:labelList xmlns:clbl="http://schemas.microsoft.com/office/2020/mipLabelMetadata"/>
 </file>